--- a/需求/积木APP思路.pptx
+++ b/需求/积木APP思路.pptx
@@ -5,13 +5,16 @@
     <p:sldMasterId id="2147483648" r:id="rId1"/>
   </p:sldMasterIdLst>
   <p:notesMasterIdLst>
-    <p:notesMasterId r:id="rId6"/>
+    <p:notesMasterId r:id="rId9"/>
   </p:notesMasterIdLst>
   <p:sldIdLst>
-    <p:sldId id="256" r:id="rId2"/>
-    <p:sldId id="258" r:id="rId3"/>
-    <p:sldId id="260" r:id="rId4"/>
-    <p:sldId id="261" r:id="rId5"/>
+    <p:sldId id="264" r:id="rId2"/>
+    <p:sldId id="261" r:id="rId3"/>
+    <p:sldId id="262" r:id="rId4"/>
+    <p:sldId id="256" r:id="rId5"/>
+    <p:sldId id="258" r:id="rId6"/>
+    <p:sldId id="260" r:id="rId7"/>
+    <p:sldId id="263" r:id="rId8"/>
   </p:sldIdLst>
   <p:sldSz cx="12192000" cy="6858000"/>
   <p:notesSz cx="6858000" cy="9144000"/>
@@ -211,7 +214,7 @@
           <a:p>
             <a:fld id="{C578747C-4DBD-450A-917F-BB233EEE6D41}" type="datetimeFigureOut">
               <a:rPr lang="zh-CN" altLang="en-US" smtClean="0"/>
-              <a:t>2017/8/17</a:t>
+              <a:t>2017/8/18</a:t>
             </a:fld>
             <a:endParaRPr lang="zh-CN" altLang="en-US"/>
           </a:p>
@@ -479,6 +482,90 @@
 </p:notesMaster>
 </file>
 
+<file path=ppt/notesSlides/notesSlide1.xml><?xml version="1.0" encoding="utf-8"?>
+<p:notes xmlns:a="http://schemas.openxmlformats.org/drawingml/2006/main" xmlns:r="http://schemas.openxmlformats.org/officeDocument/2006/relationships" xmlns:p="http://schemas.openxmlformats.org/presentationml/2006/main">
+  <p:cSld>
+    <p:spTree>
+      <p:nvGrpSpPr>
+        <p:cNvPr id="1" name=""/>
+        <p:cNvGrpSpPr/>
+        <p:nvPr/>
+      </p:nvGrpSpPr>
+      <p:grpSpPr>
+        <a:xfrm>
+          <a:off x="0" y="0"/>
+          <a:ext cx="0" cy="0"/>
+          <a:chOff x="0" y="0"/>
+          <a:chExt cx="0" cy="0"/>
+        </a:xfrm>
+      </p:grpSpPr>
+      <p:sp>
+        <p:nvSpPr>
+          <p:cNvPr id="2" name="幻灯片图像占位符 1"/>
+          <p:cNvSpPr>
+            <a:spLocks noGrp="1" noRot="1" noChangeAspect="1"/>
+          </p:cNvSpPr>
+          <p:nvPr>
+            <p:ph type="sldImg"/>
+          </p:nvPr>
+        </p:nvSpPr>
+        <p:spPr/>
+      </p:sp>
+      <p:sp>
+        <p:nvSpPr>
+          <p:cNvPr id="3" name="备注占位符 2"/>
+          <p:cNvSpPr>
+            <a:spLocks noGrp="1"/>
+          </p:cNvSpPr>
+          <p:nvPr>
+            <p:ph type="body" idx="1"/>
+          </p:nvPr>
+        </p:nvSpPr>
+        <p:spPr/>
+        <p:txBody>
+          <a:bodyPr/>
+          <a:lstStyle/>
+          <a:p>
+            <a:endParaRPr lang="zh-CN" altLang="en-US" dirty="0"/>
+          </a:p>
+        </p:txBody>
+      </p:sp>
+      <p:sp>
+        <p:nvSpPr>
+          <p:cNvPr id="4" name="灯片编号占位符 3"/>
+          <p:cNvSpPr>
+            <a:spLocks noGrp="1"/>
+          </p:cNvSpPr>
+          <p:nvPr>
+            <p:ph type="sldNum" sz="quarter" idx="10"/>
+          </p:nvPr>
+        </p:nvSpPr>
+        <p:spPr/>
+        <p:txBody>
+          <a:bodyPr/>
+          <a:lstStyle/>
+          <a:p>
+            <a:fld id="{2BF750FA-2E72-468B-8CEF-9FB2814D676F}" type="slidenum">
+              <a:rPr lang="zh-CN" altLang="en-US" smtClean="0"/>
+              <a:t>1</a:t>
+            </a:fld>
+            <a:endParaRPr lang="zh-CN" altLang="en-US"/>
+          </a:p>
+        </p:txBody>
+      </p:sp>
+    </p:spTree>
+    <p:extLst>
+      <p:ext uri="{BB962C8B-B14F-4D97-AF65-F5344CB8AC3E}">
+        <p14:creationId xmlns:p14="http://schemas.microsoft.com/office/powerpoint/2010/main" val="221333354"/>
+      </p:ext>
+    </p:extLst>
+  </p:cSld>
+  <p:clrMapOvr>
+    <a:masterClrMapping/>
+  </p:clrMapOvr>
+</p:notes>
+</file>
+
 <file path=ppt/slideLayouts/slideLayout1.xml><?xml version="1.0" encoding="utf-8"?>
 <p:sldLayout xmlns:a="http://schemas.openxmlformats.org/drawingml/2006/main" xmlns:r="http://schemas.openxmlformats.org/officeDocument/2006/relationships" xmlns:p="http://schemas.openxmlformats.org/presentationml/2006/main" type="title" preserve="1">
   <p:cSld name="标题幻灯片">
@@ -610,7 +697,7 @@
           <a:p>
             <a:fld id="{77DAA336-17CA-4F76-B4BD-53965DDDFE6B}" type="datetimeFigureOut">
               <a:rPr lang="zh-CN" altLang="en-US" smtClean="0"/>
-              <a:t>2017/8/17</a:t>
+              <a:t>2017/8/18</a:t>
             </a:fld>
             <a:endParaRPr lang="zh-CN" altLang="en-US"/>
           </a:p>
@@ -780,7 +867,7 @@
           <a:p>
             <a:fld id="{77DAA336-17CA-4F76-B4BD-53965DDDFE6B}" type="datetimeFigureOut">
               <a:rPr lang="zh-CN" altLang="en-US" smtClean="0"/>
-              <a:t>2017/8/17</a:t>
+              <a:t>2017/8/18</a:t>
             </a:fld>
             <a:endParaRPr lang="zh-CN" altLang="en-US"/>
           </a:p>
@@ -960,7 +1047,7 @@
           <a:p>
             <a:fld id="{77DAA336-17CA-4F76-B4BD-53965DDDFE6B}" type="datetimeFigureOut">
               <a:rPr lang="zh-CN" altLang="en-US" smtClean="0"/>
-              <a:t>2017/8/17</a:t>
+              <a:t>2017/8/18</a:t>
             </a:fld>
             <a:endParaRPr lang="zh-CN" altLang="en-US"/>
           </a:p>
@@ -1130,7 +1217,7 @@
           <a:p>
             <a:fld id="{77DAA336-17CA-4F76-B4BD-53965DDDFE6B}" type="datetimeFigureOut">
               <a:rPr lang="zh-CN" altLang="en-US" smtClean="0"/>
-              <a:t>2017/8/17</a:t>
+              <a:t>2017/8/18</a:t>
             </a:fld>
             <a:endParaRPr lang="zh-CN" altLang="en-US"/>
           </a:p>
@@ -1376,7 +1463,7 @@
           <a:p>
             <a:fld id="{77DAA336-17CA-4F76-B4BD-53965DDDFE6B}" type="datetimeFigureOut">
               <a:rPr lang="zh-CN" altLang="en-US" smtClean="0"/>
-              <a:t>2017/8/17</a:t>
+              <a:t>2017/8/18</a:t>
             </a:fld>
             <a:endParaRPr lang="zh-CN" altLang="en-US"/>
           </a:p>
@@ -1608,7 +1695,7 @@
           <a:p>
             <a:fld id="{77DAA336-17CA-4F76-B4BD-53965DDDFE6B}" type="datetimeFigureOut">
               <a:rPr lang="zh-CN" altLang="en-US" smtClean="0"/>
-              <a:t>2017/8/17</a:t>
+              <a:t>2017/8/18</a:t>
             </a:fld>
             <a:endParaRPr lang="zh-CN" altLang="en-US"/>
           </a:p>
@@ -1975,7 +2062,7 @@
           <a:p>
             <a:fld id="{77DAA336-17CA-4F76-B4BD-53965DDDFE6B}" type="datetimeFigureOut">
               <a:rPr lang="zh-CN" altLang="en-US" smtClean="0"/>
-              <a:t>2017/8/17</a:t>
+              <a:t>2017/8/18</a:t>
             </a:fld>
             <a:endParaRPr lang="zh-CN" altLang="en-US"/>
           </a:p>
@@ -2093,7 +2180,7 @@
           <a:p>
             <a:fld id="{77DAA336-17CA-4F76-B4BD-53965DDDFE6B}" type="datetimeFigureOut">
               <a:rPr lang="zh-CN" altLang="en-US" smtClean="0"/>
-              <a:t>2017/8/17</a:t>
+              <a:t>2017/8/18</a:t>
             </a:fld>
             <a:endParaRPr lang="zh-CN" altLang="en-US"/>
           </a:p>
@@ -2188,7 +2275,7 @@
           <a:p>
             <a:fld id="{77DAA336-17CA-4F76-B4BD-53965DDDFE6B}" type="datetimeFigureOut">
               <a:rPr lang="zh-CN" altLang="en-US" smtClean="0"/>
-              <a:t>2017/8/17</a:t>
+              <a:t>2017/8/18</a:t>
             </a:fld>
             <a:endParaRPr lang="zh-CN" altLang="en-US"/>
           </a:p>
@@ -2465,7 +2552,7 @@
           <a:p>
             <a:fld id="{77DAA336-17CA-4F76-B4BD-53965DDDFE6B}" type="datetimeFigureOut">
               <a:rPr lang="zh-CN" altLang="en-US" smtClean="0"/>
-              <a:t>2017/8/17</a:t>
+              <a:t>2017/8/18</a:t>
             </a:fld>
             <a:endParaRPr lang="zh-CN" altLang="en-US"/>
           </a:p>
@@ -2718,7 +2805,7 @@
           <a:p>
             <a:fld id="{77DAA336-17CA-4F76-B4BD-53965DDDFE6B}" type="datetimeFigureOut">
               <a:rPr lang="zh-CN" altLang="en-US" smtClean="0"/>
-              <a:t>2017/8/17</a:t>
+              <a:t>2017/8/18</a:t>
             </a:fld>
             <a:endParaRPr lang="zh-CN" altLang="en-US"/>
           </a:p>
@@ -2934,7 +3021,7 @@
           <a:p>
             <a:fld id="{77DAA336-17CA-4F76-B4BD-53965DDDFE6B}" type="datetimeFigureOut">
               <a:rPr lang="zh-CN" altLang="en-US" smtClean="0"/>
-              <a:t>2017/8/17</a:t>
+              <a:t>2017/8/18</a:t>
             </a:fld>
             <a:endParaRPr lang="zh-CN" altLang="en-US"/>
           </a:p>
@@ -3339,6 +3426,2466 @@
           <a:chExt cx="0" cy="0"/>
         </a:xfrm>
       </p:grpSpPr>
+      <p:pic>
+        <p:nvPicPr>
+          <p:cNvPr id="5" name="图片 4"/>
+          <p:cNvPicPr>
+            <a:picLocks noChangeAspect="1"/>
+          </p:cNvPicPr>
+          <p:nvPr/>
+        </p:nvPicPr>
+        <p:blipFill>
+          <a:blip r:embed="rId3"/>
+          <a:stretch>
+            <a:fillRect/>
+          </a:stretch>
+        </p:blipFill>
+        <p:spPr>
+          <a:xfrm>
+            <a:off x="1041526" y="803899"/>
+            <a:ext cx="2398791" cy="3298338"/>
+          </a:xfrm>
+          <a:prstGeom prst="rect">
+            <a:avLst/>
+          </a:prstGeom>
+        </p:spPr>
+      </p:pic>
+      <p:pic>
+        <p:nvPicPr>
+          <p:cNvPr id="6" name="图片 5"/>
+          <p:cNvPicPr>
+            <a:picLocks noChangeAspect="1"/>
+          </p:cNvPicPr>
+          <p:nvPr/>
+        </p:nvPicPr>
+        <p:blipFill>
+          <a:blip r:embed="rId4"/>
+          <a:stretch>
+            <a:fillRect/>
+          </a:stretch>
+        </p:blipFill>
+        <p:spPr>
+          <a:xfrm>
+            <a:off x="1041526" y="4102237"/>
+            <a:ext cx="2361282" cy="2121152"/>
+          </a:xfrm>
+          <a:prstGeom prst="rect">
+            <a:avLst/>
+          </a:prstGeom>
+        </p:spPr>
+      </p:pic>
+      <p:pic>
+        <p:nvPicPr>
+          <p:cNvPr id="7" name="图片 6"/>
+          <p:cNvPicPr>
+            <a:picLocks noChangeAspect="1"/>
+          </p:cNvPicPr>
+          <p:nvPr/>
+        </p:nvPicPr>
+        <p:blipFill>
+          <a:blip r:embed="rId5"/>
+          <a:stretch>
+            <a:fillRect/>
+          </a:stretch>
+        </p:blipFill>
+        <p:spPr>
+          <a:xfrm>
+            <a:off x="4457247" y="803898"/>
+            <a:ext cx="2324021" cy="2763167"/>
+          </a:xfrm>
+          <a:prstGeom prst="rect">
+            <a:avLst/>
+          </a:prstGeom>
+        </p:spPr>
+      </p:pic>
+      <p:pic>
+        <p:nvPicPr>
+          <p:cNvPr id="8" name="图片 7"/>
+          <p:cNvPicPr>
+            <a:picLocks noChangeAspect="1"/>
+          </p:cNvPicPr>
+          <p:nvPr/>
+        </p:nvPicPr>
+        <p:blipFill>
+          <a:blip r:embed="rId6"/>
+          <a:stretch>
+            <a:fillRect/>
+          </a:stretch>
+        </p:blipFill>
+        <p:spPr>
+          <a:xfrm>
+            <a:off x="4457246" y="3567065"/>
+            <a:ext cx="2324021" cy="2579715"/>
+          </a:xfrm>
+          <a:prstGeom prst="rect">
+            <a:avLst/>
+          </a:prstGeom>
+        </p:spPr>
+      </p:pic>
+      <p:pic>
+        <p:nvPicPr>
+          <p:cNvPr id="9" name="图片 8"/>
+          <p:cNvPicPr>
+            <a:picLocks noChangeAspect="1"/>
+          </p:cNvPicPr>
+          <p:nvPr/>
+        </p:nvPicPr>
+        <p:blipFill>
+          <a:blip r:embed="rId7"/>
+          <a:stretch>
+            <a:fillRect/>
+          </a:stretch>
+        </p:blipFill>
+        <p:spPr>
+          <a:xfrm>
+            <a:off x="7918305" y="844296"/>
+            <a:ext cx="2203469" cy="3033829"/>
+          </a:xfrm>
+          <a:prstGeom prst="rect">
+            <a:avLst/>
+          </a:prstGeom>
+        </p:spPr>
+      </p:pic>
+      <p:pic>
+        <p:nvPicPr>
+          <p:cNvPr id="10" name="图片 9"/>
+          <p:cNvPicPr>
+            <a:picLocks noChangeAspect="1"/>
+          </p:cNvPicPr>
+          <p:nvPr/>
+        </p:nvPicPr>
+        <p:blipFill>
+          <a:blip r:embed="rId8"/>
+          <a:stretch>
+            <a:fillRect/>
+          </a:stretch>
+        </p:blipFill>
+        <p:spPr>
+          <a:xfrm>
+            <a:off x="7918305" y="3878125"/>
+            <a:ext cx="2217201" cy="2268655"/>
+          </a:xfrm>
+          <a:prstGeom prst="rect">
+            <a:avLst/>
+          </a:prstGeom>
+        </p:spPr>
+      </p:pic>
+      <p:sp>
+        <p:nvSpPr>
+          <p:cNvPr id="11" name="文本框 10"/>
+          <p:cNvSpPr txBox="1"/>
+          <p:nvPr/>
+        </p:nvSpPr>
+        <p:spPr>
+          <a:xfrm>
+            <a:off x="3320210" y="934795"/>
+            <a:ext cx="954107" cy="276999"/>
+          </a:xfrm>
+          <a:prstGeom prst="rect">
+            <a:avLst/>
+          </a:prstGeom>
+          <a:noFill/>
+        </p:spPr>
+        <p:txBody>
+          <a:bodyPr wrap="none" rtlCol="0">
+            <a:spAutoFit/>
+          </a:bodyPr>
+          <a:lstStyle/>
+          <a:p>
+            <a:r>
+              <a:rPr lang="zh-CN" altLang="en-US" sz="1200" b="1" dirty="0"/>
+              <a:t>装扮</a:t>
+            </a:r>
+            <a:r>
+              <a:rPr lang="zh-CN" altLang="en-US" sz="1200" b="1" dirty="0" smtClean="0"/>
+              <a:t>过家家</a:t>
+            </a:r>
+            <a:endParaRPr lang="zh-CN" altLang="en-US" sz="1200" b="1" dirty="0"/>
+          </a:p>
+        </p:txBody>
+      </p:sp>
+      <p:sp>
+        <p:nvSpPr>
+          <p:cNvPr id="12" name="文本框 11"/>
+          <p:cNvSpPr txBox="1"/>
+          <p:nvPr/>
+        </p:nvSpPr>
+        <p:spPr>
+          <a:xfrm>
+            <a:off x="3397153" y="1492769"/>
+            <a:ext cx="800219" cy="276999"/>
+          </a:xfrm>
+          <a:prstGeom prst="rect">
+            <a:avLst/>
+          </a:prstGeom>
+          <a:noFill/>
+        </p:spPr>
+        <p:txBody>
+          <a:bodyPr wrap="none" rtlCol="0">
+            <a:spAutoFit/>
+          </a:bodyPr>
+          <a:lstStyle/>
+          <a:p>
+            <a:r>
+              <a:rPr lang="zh-CN" altLang="en-US" sz="1200" b="1" dirty="0" smtClean="0"/>
+              <a:t>数字</a:t>
+            </a:r>
+            <a:r>
+              <a:rPr lang="zh-CN" altLang="en-US" sz="1200" b="1" dirty="0" smtClean="0"/>
+              <a:t>游戏</a:t>
+            </a:r>
+            <a:endParaRPr lang="zh-CN" altLang="en-US" sz="1200" b="1" dirty="0"/>
+          </a:p>
+        </p:txBody>
+      </p:sp>
+      <p:sp>
+        <p:nvSpPr>
+          <p:cNvPr id="13" name="文本框 12"/>
+          <p:cNvSpPr txBox="1"/>
+          <p:nvPr/>
+        </p:nvSpPr>
+        <p:spPr>
+          <a:xfrm>
+            <a:off x="3356070" y="2065884"/>
+            <a:ext cx="954107" cy="276999"/>
+          </a:xfrm>
+          <a:prstGeom prst="rect">
+            <a:avLst/>
+          </a:prstGeom>
+          <a:noFill/>
+        </p:spPr>
+        <p:txBody>
+          <a:bodyPr wrap="none" rtlCol="0">
+            <a:spAutoFit/>
+          </a:bodyPr>
+          <a:lstStyle/>
+          <a:p>
+            <a:r>
+              <a:rPr lang="zh-CN" altLang="en-US" sz="1200" b="1" dirty="0" smtClean="0"/>
+              <a:t>场景</a:t>
+            </a:r>
+            <a:r>
+              <a:rPr lang="zh-CN" altLang="en-US" sz="1200" b="1" dirty="0" smtClean="0"/>
+              <a:t>过家家</a:t>
+            </a:r>
+            <a:endParaRPr lang="zh-CN" altLang="en-US" sz="1200" b="1" dirty="0"/>
+          </a:p>
+        </p:txBody>
+      </p:sp>
+      <p:sp>
+        <p:nvSpPr>
+          <p:cNvPr id="14" name="文本框 13"/>
+          <p:cNvSpPr txBox="1"/>
+          <p:nvPr/>
+        </p:nvSpPr>
+        <p:spPr>
+          <a:xfrm>
+            <a:off x="3352978" y="2612457"/>
+            <a:ext cx="954107" cy="276999"/>
+          </a:xfrm>
+          <a:prstGeom prst="rect">
+            <a:avLst/>
+          </a:prstGeom>
+          <a:noFill/>
+        </p:spPr>
+        <p:txBody>
+          <a:bodyPr wrap="none" rtlCol="0">
+            <a:spAutoFit/>
+          </a:bodyPr>
+          <a:lstStyle/>
+          <a:p>
+            <a:r>
+              <a:rPr lang="zh-CN" altLang="en-US" sz="1200" b="1" dirty="0" smtClean="0"/>
+              <a:t>场景</a:t>
+            </a:r>
+            <a:r>
+              <a:rPr lang="zh-CN" altLang="en-US" sz="1200" b="1" dirty="0" smtClean="0"/>
+              <a:t>过家家</a:t>
+            </a:r>
+            <a:endParaRPr lang="zh-CN" altLang="en-US" sz="1200" b="1" dirty="0"/>
+          </a:p>
+        </p:txBody>
+      </p:sp>
+      <p:sp>
+        <p:nvSpPr>
+          <p:cNvPr id="15" name="文本框 14"/>
+          <p:cNvSpPr txBox="1"/>
+          <p:nvPr/>
+        </p:nvSpPr>
+        <p:spPr>
+          <a:xfrm>
+            <a:off x="3352978" y="3149596"/>
+            <a:ext cx="954107" cy="276999"/>
+          </a:xfrm>
+          <a:prstGeom prst="rect">
+            <a:avLst/>
+          </a:prstGeom>
+          <a:noFill/>
+        </p:spPr>
+        <p:txBody>
+          <a:bodyPr wrap="none" rtlCol="0">
+            <a:spAutoFit/>
+          </a:bodyPr>
+          <a:lstStyle/>
+          <a:p>
+            <a:r>
+              <a:rPr lang="zh-CN" altLang="en-US" sz="1200" b="1" dirty="0"/>
+              <a:t>装扮</a:t>
+            </a:r>
+            <a:r>
+              <a:rPr lang="zh-CN" altLang="en-US" sz="1200" b="1" dirty="0" smtClean="0"/>
+              <a:t>过家家</a:t>
+            </a:r>
+            <a:endParaRPr lang="zh-CN" altLang="en-US" sz="1200" b="1" dirty="0"/>
+          </a:p>
+        </p:txBody>
+      </p:sp>
+      <p:sp>
+        <p:nvSpPr>
+          <p:cNvPr id="16" name="文本框 15"/>
+          <p:cNvSpPr txBox="1"/>
+          <p:nvPr/>
+        </p:nvSpPr>
+        <p:spPr>
+          <a:xfrm>
+            <a:off x="3543095" y="3686735"/>
+            <a:ext cx="492443" cy="276999"/>
+          </a:xfrm>
+          <a:prstGeom prst="rect">
+            <a:avLst/>
+          </a:prstGeom>
+          <a:noFill/>
+        </p:spPr>
+        <p:txBody>
+          <a:bodyPr wrap="none" rtlCol="0">
+            <a:spAutoFit/>
+          </a:bodyPr>
+          <a:lstStyle/>
+          <a:p>
+            <a:r>
+              <a:rPr lang="zh-CN" altLang="en-US" sz="1200" b="1" dirty="0" smtClean="0"/>
+              <a:t>学习</a:t>
+            </a:r>
+            <a:endParaRPr lang="zh-CN" altLang="en-US" sz="1200" b="1" dirty="0"/>
+          </a:p>
+        </p:txBody>
+      </p:sp>
+      <p:sp>
+        <p:nvSpPr>
+          <p:cNvPr id="17" name="文本框 16"/>
+          <p:cNvSpPr txBox="1"/>
+          <p:nvPr/>
+        </p:nvSpPr>
+        <p:spPr>
+          <a:xfrm>
+            <a:off x="3424406" y="4233311"/>
+            <a:ext cx="800219" cy="276999"/>
+          </a:xfrm>
+          <a:prstGeom prst="rect">
+            <a:avLst/>
+          </a:prstGeom>
+          <a:noFill/>
+        </p:spPr>
+        <p:txBody>
+          <a:bodyPr wrap="none" rtlCol="0">
+            <a:spAutoFit/>
+          </a:bodyPr>
+          <a:lstStyle/>
+          <a:p>
+            <a:r>
+              <a:rPr lang="zh-CN" altLang="en-US" sz="1200" b="1" dirty="0" smtClean="0"/>
+              <a:t>场景</a:t>
+            </a:r>
+            <a:r>
+              <a:rPr lang="zh-CN" altLang="en-US" sz="1200" b="1" dirty="0" smtClean="0"/>
+              <a:t>百科</a:t>
+            </a:r>
+            <a:endParaRPr lang="zh-CN" altLang="en-US" sz="1200" b="1" dirty="0"/>
+          </a:p>
+        </p:txBody>
+      </p:sp>
+      <p:sp>
+        <p:nvSpPr>
+          <p:cNvPr id="18" name="文本框 17"/>
+          <p:cNvSpPr txBox="1"/>
+          <p:nvPr/>
+        </p:nvSpPr>
+        <p:spPr>
+          <a:xfrm>
+            <a:off x="3372147" y="4762065"/>
+            <a:ext cx="954107" cy="276999"/>
+          </a:xfrm>
+          <a:prstGeom prst="rect">
+            <a:avLst/>
+          </a:prstGeom>
+          <a:noFill/>
+        </p:spPr>
+        <p:txBody>
+          <a:bodyPr wrap="none" rtlCol="0">
+            <a:spAutoFit/>
+          </a:bodyPr>
+          <a:lstStyle/>
+          <a:p>
+            <a:r>
+              <a:rPr lang="zh-CN" altLang="en-US" sz="1200" b="1" dirty="0" smtClean="0"/>
+              <a:t>场景</a:t>
+            </a:r>
+            <a:r>
+              <a:rPr lang="zh-CN" altLang="en-US" sz="1200" b="1" dirty="0" smtClean="0"/>
+              <a:t>过家家</a:t>
+            </a:r>
+            <a:endParaRPr lang="zh-CN" altLang="en-US" sz="1200" b="1" dirty="0"/>
+          </a:p>
+        </p:txBody>
+      </p:sp>
+      <p:sp>
+        <p:nvSpPr>
+          <p:cNvPr id="19" name="文本框 18"/>
+          <p:cNvSpPr txBox="1"/>
+          <p:nvPr/>
+        </p:nvSpPr>
+        <p:spPr>
+          <a:xfrm>
+            <a:off x="3596455" y="5238358"/>
+            <a:ext cx="492443" cy="276999"/>
+          </a:xfrm>
+          <a:prstGeom prst="rect">
+            <a:avLst/>
+          </a:prstGeom>
+          <a:noFill/>
+        </p:spPr>
+        <p:txBody>
+          <a:bodyPr wrap="none" rtlCol="0">
+            <a:spAutoFit/>
+          </a:bodyPr>
+          <a:lstStyle/>
+          <a:p>
+            <a:r>
+              <a:rPr lang="zh-CN" altLang="en-US" sz="1200" b="1" dirty="0" smtClean="0"/>
+              <a:t>游戏</a:t>
+            </a:r>
+            <a:endParaRPr lang="zh-CN" altLang="en-US" sz="1200" b="1" dirty="0"/>
+          </a:p>
+        </p:txBody>
+      </p:sp>
+      <p:sp>
+        <p:nvSpPr>
+          <p:cNvPr id="20" name="文本框 19"/>
+          <p:cNvSpPr txBox="1"/>
+          <p:nvPr/>
+        </p:nvSpPr>
+        <p:spPr>
+          <a:xfrm>
+            <a:off x="3618309" y="5754206"/>
+            <a:ext cx="492443" cy="276999"/>
+          </a:xfrm>
+          <a:prstGeom prst="rect">
+            <a:avLst/>
+          </a:prstGeom>
+          <a:noFill/>
+        </p:spPr>
+        <p:txBody>
+          <a:bodyPr wrap="none" rtlCol="0">
+            <a:spAutoFit/>
+          </a:bodyPr>
+          <a:lstStyle/>
+          <a:p>
+            <a:r>
+              <a:rPr lang="zh-CN" altLang="en-US" sz="1200" b="1" dirty="0" smtClean="0"/>
+              <a:t>游戏</a:t>
+            </a:r>
+            <a:endParaRPr lang="zh-CN" altLang="en-US" sz="1200" b="1" dirty="0"/>
+          </a:p>
+        </p:txBody>
+      </p:sp>
+      <p:sp>
+        <p:nvSpPr>
+          <p:cNvPr id="21" name="文本框 20"/>
+          <p:cNvSpPr txBox="1"/>
+          <p:nvPr/>
+        </p:nvSpPr>
+        <p:spPr>
+          <a:xfrm>
+            <a:off x="6781267" y="931368"/>
+            <a:ext cx="800219" cy="276999"/>
+          </a:xfrm>
+          <a:prstGeom prst="rect">
+            <a:avLst/>
+          </a:prstGeom>
+          <a:noFill/>
+        </p:spPr>
+        <p:txBody>
+          <a:bodyPr wrap="none" rtlCol="0">
+            <a:spAutoFit/>
+          </a:bodyPr>
+          <a:lstStyle/>
+          <a:p>
+            <a:r>
+              <a:rPr lang="zh-CN" altLang="en-US" sz="1200" b="1" dirty="0" smtClean="0"/>
+              <a:t>场景</a:t>
+            </a:r>
+            <a:r>
+              <a:rPr lang="zh-CN" altLang="en-US" sz="1200" b="1" dirty="0" smtClean="0"/>
+              <a:t>游戏</a:t>
+            </a:r>
+            <a:endParaRPr lang="zh-CN" altLang="en-US" sz="1200" b="1" dirty="0"/>
+          </a:p>
+        </p:txBody>
+      </p:sp>
+      <p:sp>
+        <p:nvSpPr>
+          <p:cNvPr id="22" name="文本框 21"/>
+          <p:cNvSpPr txBox="1"/>
+          <p:nvPr/>
+        </p:nvSpPr>
+        <p:spPr>
+          <a:xfrm>
+            <a:off x="6784654" y="1529114"/>
+            <a:ext cx="800219" cy="276999"/>
+          </a:xfrm>
+          <a:prstGeom prst="rect">
+            <a:avLst/>
+          </a:prstGeom>
+          <a:noFill/>
+        </p:spPr>
+        <p:txBody>
+          <a:bodyPr wrap="none" rtlCol="0">
+            <a:spAutoFit/>
+          </a:bodyPr>
+          <a:lstStyle/>
+          <a:p>
+            <a:r>
+              <a:rPr lang="zh-CN" altLang="en-US" sz="1200" b="1" dirty="0" smtClean="0"/>
+              <a:t>数字</a:t>
+            </a:r>
+            <a:r>
+              <a:rPr lang="zh-CN" altLang="en-US" sz="1200" b="1" dirty="0" smtClean="0"/>
+              <a:t>游戏</a:t>
+            </a:r>
+            <a:endParaRPr lang="zh-CN" altLang="en-US" sz="1200" b="1" dirty="0"/>
+          </a:p>
+        </p:txBody>
+      </p:sp>
+      <p:sp>
+        <p:nvSpPr>
+          <p:cNvPr id="23" name="文本框 22"/>
+          <p:cNvSpPr txBox="1"/>
+          <p:nvPr/>
+        </p:nvSpPr>
+        <p:spPr>
+          <a:xfrm>
+            <a:off x="6783704" y="2057063"/>
+            <a:ext cx="800219" cy="276999"/>
+          </a:xfrm>
+          <a:prstGeom prst="rect">
+            <a:avLst/>
+          </a:prstGeom>
+          <a:noFill/>
+        </p:spPr>
+        <p:txBody>
+          <a:bodyPr wrap="none" rtlCol="0">
+            <a:spAutoFit/>
+          </a:bodyPr>
+          <a:lstStyle/>
+          <a:p>
+            <a:r>
+              <a:rPr lang="zh-CN" altLang="en-US" sz="1200" b="1" dirty="0" smtClean="0"/>
+              <a:t>数字</a:t>
+            </a:r>
+            <a:r>
+              <a:rPr lang="zh-CN" altLang="en-US" sz="1200" b="1" dirty="0" smtClean="0"/>
+              <a:t>游戏</a:t>
+            </a:r>
+            <a:endParaRPr lang="zh-CN" altLang="en-US" sz="1200" b="1" dirty="0"/>
+          </a:p>
+        </p:txBody>
+      </p:sp>
+      <p:sp>
+        <p:nvSpPr>
+          <p:cNvPr id="24" name="文本框 23"/>
+          <p:cNvSpPr txBox="1"/>
+          <p:nvPr/>
+        </p:nvSpPr>
+        <p:spPr>
+          <a:xfrm>
+            <a:off x="6774651" y="2608426"/>
+            <a:ext cx="800219" cy="276999"/>
+          </a:xfrm>
+          <a:prstGeom prst="rect">
+            <a:avLst/>
+          </a:prstGeom>
+          <a:noFill/>
+        </p:spPr>
+        <p:txBody>
+          <a:bodyPr wrap="none" rtlCol="0">
+            <a:spAutoFit/>
+          </a:bodyPr>
+          <a:lstStyle/>
+          <a:p>
+            <a:r>
+              <a:rPr lang="zh-CN" altLang="en-US" sz="1200" b="1" dirty="0"/>
+              <a:t>教育</a:t>
+            </a:r>
+            <a:r>
+              <a:rPr lang="zh-CN" altLang="en-US" sz="1200" b="1" dirty="0" smtClean="0"/>
+              <a:t>游戏</a:t>
+            </a:r>
+            <a:endParaRPr lang="zh-CN" altLang="en-US" sz="1200" b="1" dirty="0"/>
+          </a:p>
+        </p:txBody>
+      </p:sp>
+      <p:sp>
+        <p:nvSpPr>
+          <p:cNvPr id="25" name="文本框 24"/>
+          <p:cNvSpPr txBox="1"/>
+          <p:nvPr/>
+        </p:nvSpPr>
+        <p:spPr>
+          <a:xfrm>
+            <a:off x="6868478" y="3175603"/>
+            <a:ext cx="492443" cy="276999"/>
+          </a:xfrm>
+          <a:prstGeom prst="rect">
+            <a:avLst/>
+          </a:prstGeom>
+          <a:noFill/>
+        </p:spPr>
+        <p:txBody>
+          <a:bodyPr wrap="none" rtlCol="0">
+            <a:spAutoFit/>
+          </a:bodyPr>
+          <a:lstStyle/>
+          <a:p>
+            <a:r>
+              <a:rPr lang="zh-CN" altLang="en-US" sz="1200" b="1" dirty="0" smtClean="0"/>
+              <a:t>游戏</a:t>
+            </a:r>
+            <a:endParaRPr lang="zh-CN" altLang="en-US" sz="1200" b="1" dirty="0"/>
+          </a:p>
+        </p:txBody>
+      </p:sp>
+      <p:sp>
+        <p:nvSpPr>
+          <p:cNvPr id="26" name="文本框 25"/>
+          <p:cNvSpPr txBox="1"/>
+          <p:nvPr/>
+        </p:nvSpPr>
+        <p:spPr>
+          <a:xfrm>
+            <a:off x="6802865" y="3679887"/>
+            <a:ext cx="800219" cy="276999"/>
+          </a:xfrm>
+          <a:prstGeom prst="rect">
+            <a:avLst/>
+          </a:prstGeom>
+          <a:noFill/>
+        </p:spPr>
+        <p:txBody>
+          <a:bodyPr wrap="none" rtlCol="0">
+            <a:spAutoFit/>
+          </a:bodyPr>
+          <a:lstStyle/>
+          <a:p>
+            <a:r>
+              <a:rPr lang="zh-CN" altLang="en-US" sz="1200" b="1" dirty="0" smtClean="0"/>
+              <a:t>场景</a:t>
+            </a:r>
+            <a:r>
+              <a:rPr lang="zh-CN" altLang="en-US" sz="1200" b="1" dirty="0" smtClean="0"/>
+              <a:t>游戏</a:t>
+            </a:r>
+            <a:endParaRPr lang="zh-CN" altLang="en-US" sz="1200" b="1" dirty="0"/>
+          </a:p>
+        </p:txBody>
+      </p:sp>
+      <p:sp>
+        <p:nvSpPr>
+          <p:cNvPr id="27" name="文本框 26"/>
+          <p:cNvSpPr txBox="1"/>
+          <p:nvPr/>
+        </p:nvSpPr>
+        <p:spPr>
+          <a:xfrm>
+            <a:off x="6820785" y="4744697"/>
+            <a:ext cx="800219" cy="276999"/>
+          </a:xfrm>
+          <a:prstGeom prst="rect">
+            <a:avLst/>
+          </a:prstGeom>
+          <a:noFill/>
+        </p:spPr>
+        <p:txBody>
+          <a:bodyPr wrap="none" rtlCol="0">
+            <a:spAutoFit/>
+          </a:bodyPr>
+          <a:lstStyle/>
+          <a:p>
+            <a:r>
+              <a:rPr lang="zh-CN" altLang="en-US" sz="1200" b="1" dirty="0" smtClean="0"/>
+              <a:t>场景</a:t>
+            </a:r>
+            <a:r>
+              <a:rPr lang="zh-CN" altLang="en-US" sz="1200" b="1" dirty="0" smtClean="0"/>
+              <a:t>游戏</a:t>
+            </a:r>
+            <a:endParaRPr lang="zh-CN" altLang="en-US" sz="1200" b="1" dirty="0"/>
+          </a:p>
+        </p:txBody>
+      </p:sp>
+      <p:sp>
+        <p:nvSpPr>
+          <p:cNvPr id="28" name="文本框 27"/>
+          <p:cNvSpPr txBox="1"/>
+          <p:nvPr/>
+        </p:nvSpPr>
+        <p:spPr>
+          <a:xfrm>
+            <a:off x="6903393" y="5249452"/>
+            <a:ext cx="492443" cy="276999"/>
+          </a:xfrm>
+          <a:prstGeom prst="rect">
+            <a:avLst/>
+          </a:prstGeom>
+          <a:noFill/>
+        </p:spPr>
+        <p:txBody>
+          <a:bodyPr wrap="none" rtlCol="0">
+            <a:spAutoFit/>
+          </a:bodyPr>
+          <a:lstStyle/>
+          <a:p>
+            <a:r>
+              <a:rPr lang="zh-CN" altLang="en-US" sz="1200" b="1" dirty="0" smtClean="0"/>
+              <a:t>游戏</a:t>
+            </a:r>
+            <a:endParaRPr lang="zh-CN" altLang="en-US" sz="1200" b="1" dirty="0"/>
+          </a:p>
+        </p:txBody>
+      </p:sp>
+      <p:sp>
+        <p:nvSpPr>
+          <p:cNvPr id="29" name="文本框 28"/>
+          <p:cNvSpPr txBox="1"/>
+          <p:nvPr/>
+        </p:nvSpPr>
+        <p:spPr>
+          <a:xfrm>
+            <a:off x="6820785" y="5759462"/>
+            <a:ext cx="800219" cy="276999"/>
+          </a:xfrm>
+          <a:prstGeom prst="rect">
+            <a:avLst/>
+          </a:prstGeom>
+          <a:noFill/>
+        </p:spPr>
+        <p:txBody>
+          <a:bodyPr wrap="none" rtlCol="0">
+            <a:spAutoFit/>
+          </a:bodyPr>
+          <a:lstStyle/>
+          <a:p>
+            <a:r>
+              <a:rPr lang="zh-CN" altLang="en-US" sz="1200" b="1" dirty="0" smtClean="0"/>
+              <a:t>场景</a:t>
+            </a:r>
+            <a:r>
+              <a:rPr lang="zh-CN" altLang="en-US" sz="1200" b="1" dirty="0" smtClean="0"/>
+              <a:t>游戏</a:t>
+            </a:r>
+            <a:endParaRPr lang="zh-CN" altLang="en-US" sz="1200" b="1" dirty="0"/>
+          </a:p>
+        </p:txBody>
+      </p:sp>
+      <p:sp>
+        <p:nvSpPr>
+          <p:cNvPr id="30" name="文本框 29"/>
+          <p:cNvSpPr txBox="1"/>
+          <p:nvPr/>
+        </p:nvSpPr>
+        <p:spPr>
+          <a:xfrm>
+            <a:off x="10238256" y="906337"/>
+            <a:ext cx="492443" cy="276999"/>
+          </a:xfrm>
+          <a:prstGeom prst="rect">
+            <a:avLst/>
+          </a:prstGeom>
+          <a:noFill/>
+        </p:spPr>
+        <p:txBody>
+          <a:bodyPr wrap="none" rtlCol="0">
+            <a:spAutoFit/>
+          </a:bodyPr>
+          <a:lstStyle/>
+          <a:p>
+            <a:r>
+              <a:rPr lang="zh-CN" altLang="en-US" sz="1200" b="1" dirty="0" smtClean="0"/>
+              <a:t>学习</a:t>
+            </a:r>
+            <a:endParaRPr lang="zh-CN" altLang="en-US" sz="1200" b="1" dirty="0"/>
+          </a:p>
+        </p:txBody>
+      </p:sp>
+      <p:sp>
+        <p:nvSpPr>
+          <p:cNvPr id="31" name="文本框 30"/>
+          <p:cNvSpPr txBox="1"/>
+          <p:nvPr/>
+        </p:nvSpPr>
+        <p:spPr>
+          <a:xfrm>
+            <a:off x="10238256" y="1436771"/>
+            <a:ext cx="492443" cy="276999"/>
+          </a:xfrm>
+          <a:prstGeom prst="rect">
+            <a:avLst/>
+          </a:prstGeom>
+          <a:noFill/>
+        </p:spPr>
+        <p:txBody>
+          <a:bodyPr wrap="none" rtlCol="0">
+            <a:spAutoFit/>
+          </a:bodyPr>
+          <a:lstStyle/>
+          <a:p>
+            <a:r>
+              <a:rPr lang="zh-CN" altLang="en-US" sz="1200" b="1" dirty="0" smtClean="0"/>
+              <a:t>学习</a:t>
+            </a:r>
+            <a:endParaRPr lang="zh-CN" altLang="en-US" sz="1200" b="1" dirty="0"/>
+          </a:p>
+        </p:txBody>
+      </p:sp>
+      <p:sp>
+        <p:nvSpPr>
+          <p:cNvPr id="32" name="文本框 31"/>
+          <p:cNvSpPr txBox="1"/>
+          <p:nvPr/>
+        </p:nvSpPr>
+        <p:spPr>
+          <a:xfrm>
+            <a:off x="10243610" y="1908482"/>
+            <a:ext cx="492443" cy="276999"/>
+          </a:xfrm>
+          <a:prstGeom prst="rect">
+            <a:avLst/>
+          </a:prstGeom>
+          <a:noFill/>
+        </p:spPr>
+        <p:txBody>
+          <a:bodyPr wrap="none" rtlCol="0">
+            <a:spAutoFit/>
+          </a:bodyPr>
+          <a:lstStyle/>
+          <a:p>
+            <a:r>
+              <a:rPr lang="zh-CN" altLang="en-US" sz="1200" b="1" dirty="0" smtClean="0"/>
+              <a:t>学习</a:t>
+            </a:r>
+            <a:endParaRPr lang="zh-CN" altLang="en-US" sz="1200" b="1" dirty="0"/>
+          </a:p>
+        </p:txBody>
+      </p:sp>
+      <p:sp>
+        <p:nvSpPr>
+          <p:cNvPr id="33" name="文本框 32"/>
+          <p:cNvSpPr txBox="1"/>
+          <p:nvPr/>
+        </p:nvSpPr>
+        <p:spPr>
+          <a:xfrm>
+            <a:off x="10243610" y="2507646"/>
+            <a:ext cx="492443" cy="276999"/>
+          </a:xfrm>
+          <a:prstGeom prst="rect">
+            <a:avLst/>
+          </a:prstGeom>
+          <a:noFill/>
+        </p:spPr>
+        <p:txBody>
+          <a:bodyPr wrap="none" rtlCol="0">
+            <a:spAutoFit/>
+          </a:bodyPr>
+          <a:lstStyle/>
+          <a:p>
+            <a:r>
+              <a:rPr lang="zh-CN" altLang="en-US" sz="1200" b="1" dirty="0" smtClean="0"/>
+              <a:t>娱乐</a:t>
+            </a:r>
+            <a:endParaRPr lang="zh-CN" altLang="en-US" sz="1200" b="1" dirty="0"/>
+          </a:p>
+        </p:txBody>
+      </p:sp>
+      <p:sp>
+        <p:nvSpPr>
+          <p:cNvPr id="34" name="文本框 33"/>
+          <p:cNvSpPr txBox="1"/>
+          <p:nvPr/>
+        </p:nvSpPr>
+        <p:spPr>
+          <a:xfrm>
+            <a:off x="10235162" y="3015792"/>
+            <a:ext cx="492443" cy="276999"/>
+          </a:xfrm>
+          <a:prstGeom prst="rect">
+            <a:avLst/>
+          </a:prstGeom>
+          <a:noFill/>
+        </p:spPr>
+        <p:txBody>
+          <a:bodyPr wrap="none" rtlCol="0">
+            <a:spAutoFit/>
+          </a:bodyPr>
+          <a:lstStyle/>
+          <a:p>
+            <a:r>
+              <a:rPr lang="zh-CN" altLang="en-US" sz="1200" b="1" dirty="0" smtClean="0"/>
+              <a:t>学习</a:t>
+            </a:r>
+            <a:endParaRPr lang="zh-CN" altLang="en-US" sz="1200" b="1" dirty="0"/>
+          </a:p>
+        </p:txBody>
+      </p:sp>
+      <p:sp>
+        <p:nvSpPr>
+          <p:cNvPr id="35" name="文本框 34"/>
+          <p:cNvSpPr txBox="1"/>
+          <p:nvPr/>
+        </p:nvSpPr>
+        <p:spPr>
+          <a:xfrm>
+            <a:off x="10240516" y="3487503"/>
+            <a:ext cx="492443" cy="276999"/>
+          </a:xfrm>
+          <a:prstGeom prst="rect">
+            <a:avLst/>
+          </a:prstGeom>
+          <a:noFill/>
+        </p:spPr>
+        <p:txBody>
+          <a:bodyPr wrap="none" rtlCol="0">
+            <a:spAutoFit/>
+          </a:bodyPr>
+          <a:lstStyle/>
+          <a:p>
+            <a:r>
+              <a:rPr lang="zh-CN" altLang="en-US" sz="1200" b="1" dirty="0" smtClean="0"/>
+              <a:t>学习</a:t>
+            </a:r>
+            <a:endParaRPr lang="zh-CN" altLang="en-US" sz="1200" b="1" dirty="0"/>
+          </a:p>
+        </p:txBody>
+      </p:sp>
+      <p:sp>
+        <p:nvSpPr>
+          <p:cNvPr id="36" name="文本框 35"/>
+          <p:cNvSpPr txBox="1"/>
+          <p:nvPr/>
+        </p:nvSpPr>
+        <p:spPr>
+          <a:xfrm>
+            <a:off x="10205957" y="3959214"/>
+            <a:ext cx="800219" cy="276999"/>
+          </a:xfrm>
+          <a:prstGeom prst="rect">
+            <a:avLst/>
+          </a:prstGeom>
+          <a:noFill/>
+        </p:spPr>
+        <p:txBody>
+          <a:bodyPr wrap="none" rtlCol="0">
+            <a:spAutoFit/>
+          </a:bodyPr>
+          <a:lstStyle/>
+          <a:p>
+            <a:r>
+              <a:rPr lang="zh-CN" altLang="en-US" sz="1200" b="1" dirty="0" smtClean="0"/>
+              <a:t>教育</a:t>
+            </a:r>
+            <a:r>
+              <a:rPr lang="zh-CN" altLang="en-US" sz="1200" b="1" dirty="0" smtClean="0"/>
+              <a:t>游戏</a:t>
+            </a:r>
+            <a:endParaRPr lang="zh-CN" altLang="en-US" sz="1200" b="1" dirty="0"/>
+          </a:p>
+        </p:txBody>
+      </p:sp>
+      <p:sp>
+        <p:nvSpPr>
+          <p:cNvPr id="37" name="文本框 36"/>
+          <p:cNvSpPr txBox="1"/>
+          <p:nvPr/>
+        </p:nvSpPr>
+        <p:spPr>
+          <a:xfrm>
+            <a:off x="10205957" y="4489648"/>
+            <a:ext cx="800219" cy="276999"/>
+          </a:xfrm>
+          <a:prstGeom prst="rect">
+            <a:avLst/>
+          </a:prstGeom>
+          <a:noFill/>
+        </p:spPr>
+        <p:txBody>
+          <a:bodyPr wrap="none" rtlCol="0">
+            <a:spAutoFit/>
+          </a:bodyPr>
+          <a:lstStyle/>
+          <a:p>
+            <a:r>
+              <a:rPr lang="zh-CN" altLang="en-US" sz="1200" b="1" dirty="0" smtClean="0"/>
+              <a:t>场景</a:t>
+            </a:r>
+            <a:r>
+              <a:rPr lang="zh-CN" altLang="en-US" sz="1200" b="1" dirty="0" smtClean="0"/>
+              <a:t>游戏</a:t>
+            </a:r>
+            <a:endParaRPr lang="zh-CN" altLang="en-US" sz="1200" b="1" dirty="0"/>
+          </a:p>
+        </p:txBody>
+      </p:sp>
+      <p:sp>
+        <p:nvSpPr>
+          <p:cNvPr id="38" name="文本框 37"/>
+          <p:cNvSpPr txBox="1"/>
+          <p:nvPr/>
+        </p:nvSpPr>
+        <p:spPr>
+          <a:xfrm>
+            <a:off x="10211311" y="4961359"/>
+            <a:ext cx="492443" cy="276999"/>
+          </a:xfrm>
+          <a:prstGeom prst="rect">
+            <a:avLst/>
+          </a:prstGeom>
+          <a:noFill/>
+        </p:spPr>
+        <p:txBody>
+          <a:bodyPr wrap="none" rtlCol="0">
+            <a:spAutoFit/>
+          </a:bodyPr>
+          <a:lstStyle/>
+          <a:p>
+            <a:r>
+              <a:rPr lang="zh-CN" altLang="en-US" sz="1200" b="1" dirty="0" smtClean="0"/>
+              <a:t>学习</a:t>
+            </a:r>
+            <a:endParaRPr lang="zh-CN" altLang="en-US" sz="1200" b="1" dirty="0"/>
+          </a:p>
+        </p:txBody>
+      </p:sp>
+      <p:sp>
+        <p:nvSpPr>
+          <p:cNvPr id="39" name="文本框 38"/>
+          <p:cNvSpPr txBox="1"/>
+          <p:nvPr/>
+        </p:nvSpPr>
+        <p:spPr>
+          <a:xfrm>
+            <a:off x="10243610" y="5615707"/>
+            <a:ext cx="492443" cy="276999"/>
+          </a:xfrm>
+          <a:prstGeom prst="rect">
+            <a:avLst/>
+          </a:prstGeom>
+          <a:noFill/>
+        </p:spPr>
+        <p:txBody>
+          <a:bodyPr wrap="none" rtlCol="0">
+            <a:spAutoFit/>
+          </a:bodyPr>
+          <a:lstStyle/>
+          <a:p>
+            <a:r>
+              <a:rPr lang="zh-CN" altLang="en-US" sz="1200" b="1" dirty="0" smtClean="0"/>
+              <a:t>学习</a:t>
+            </a:r>
+            <a:endParaRPr lang="zh-CN" altLang="en-US" sz="1200" b="1" dirty="0"/>
+          </a:p>
+        </p:txBody>
+      </p:sp>
+    </p:spTree>
+    <p:extLst>
+      <p:ext uri="{BB962C8B-B14F-4D97-AF65-F5344CB8AC3E}">
+        <p14:creationId xmlns:p14="http://schemas.microsoft.com/office/powerpoint/2010/main" val="861797571"/>
+      </p:ext>
+    </p:extLst>
+  </p:cSld>
+  <p:clrMapOvr>
+    <a:masterClrMapping/>
+  </p:clrMapOvr>
+  <p:timing>
+    <p:tnLst>
+      <p:par>
+        <p:cTn id="1" dur="indefinite" restart="never" nodeType="tmRoot"/>
+      </p:par>
+    </p:tnLst>
+  </p:timing>
+</p:sld>
+</file>
+
+<file path=ppt/slides/slide2.xml><?xml version="1.0" encoding="utf-8"?>
+<p:sld xmlns:a="http://schemas.openxmlformats.org/drawingml/2006/main" xmlns:r="http://schemas.openxmlformats.org/officeDocument/2006/relationships" xmlns:p="http://schemas.openxmlformats.org/presentationml/2006/main">
+  <p:cSld>
+    <p:spTree>
+      <p:nvGrpSpPr>
+        <p:cNvPr id="1" name=""/>
+        <p:cNvGrpSpPr/>
+        <p:nvPr/>
+      </p:nvGrpSpPr>
+      <p:grpSpPr>
+        <a:xfrm>
+          <a:off x="0" y="0"/>
+          <a:ext cx="0" cy="0"/>
+          <a:chOff x="0" y="0"/>
+          <a:chExt cx="0" cy="0"/>
+        </a:xfrm>
+      </p:grpSpPr>
+      <p:sp>
+        <p:nvSpPr>
+          <p:cNvPr id="3" name="文本框 2"/>
+          <p:cNvSpPr txBox="1"/>
+          <p:nvPr/>
+        </p:nvSpPr>
+        <p:spPr>
+          <a:xfrm>
+            <a:off x="1219712" y="3805299"/>
+            <a:ext cx="10283584" cy="1200329"/>
+          </a:xfrm>
+          <a:prstGeom prst="rect">
+            <a:avLst/>
+          </a:prstGeom>
+          <a:noFill/>
+        </p:spPr>
+        <p:txBody>
+          <a:bodyPr wrap="none" rtlCol="0">
+            <a:spAutoFit/>
+          </a:bodyPr>
+          <a:lstStyle/>
+          <a:p>
+            <a:pPr marL="285750" indent="-285750">
+              <a:buFont typeface="Arial" panose="020B0604020202020204" pitchFamily="34" charset="0"/>
+              <a:buChar char="•"/>
+            </a:pPr>
+            <a:r>
+              <a:rPr lang="en-US" altLang="zh-CN" dirty="0" smtClean="0">
+                <a:latin typeface="黑体" panose="02010609060101010101" pitchFamily="49" charset="-122"/>
+                <a:ea typeface="黑体" panose="02010609060101010101" pitchFamily="49" charset="-122"/>
+              </a:rPr>
+              <a:t>APP</a:t>
+            </a:r>
+            <a:r>
+              <a:rPr lang="zh-CN" altLang="en-US" dirty="0" smtClean="0">
+                <a:latin typeface="黑体" panose="02010609060101010101" pitchFamily="49" charset="-122"/>
+                <a:ea typeface="黑体" panose="02010609060101010101" pitchFamily="49" charset="-122"/>
+              </a:rPr>
+              <a:t>的娱乐性玩法多以场景过家家为主，比如做冰激凌，剪头发，开公交车，消防</a:t>
+            </a:r>
+            <a:endParaRPr lang="en-US" altLang="zh-CN" dirty="0" smtClean="0">
+              <a:latin typeface="黑体" panose="02010609060101010101" pitchFamily="49" charset="-122"/>
+              <a:ea typeface="黑体" panose="02010609060101010101" pitchFamily="49" charset="-122"/>
+            </a:endParaRPr>
+          </a:p>
+          <a:p>
+            <a:pPr marL="285750" indent="-285750">
+              <a:buFont typeface="Arial" panose="020B0604020202020204" pitchFamily="34" charset="0"/>
+              <a:buChar char="•"/>
+            </a:pPr>
+            <a:r>
+              <a:rPr lang="zh-CN" altLang="en-US" dirty="0" smtClean="0">
+                <a:latin typeface="黑体" panose="02010609060101010101" pitchFamily="49" charset="-122"/>
+                <a:ea typeface="黑体" panose="02010609060101010101" pitchFamily="49" charset="-122"/>
+              </a:rPr>
+              <a:t>纯</a:t>
+            </a:r>
+            <a:r>
+              <a:rPr lang="en-US" altLang="zh-CN" dirty="0" smtClean="0">
+                <a:latin typeface="黑体" panose="02010609060101010101" pitchFamily="49" charset="-122"/>
+                <a:ea typeface="黑体" panose="02010609060101010101" pitchFamily="49" charset="-122"/>
+              </a:rPr>
+              <a:t>APP</a:t>
+            </a:r>
+            <a:r>
+              <a:rPr lang="zh-CN" altLang="en-US" dirty="0" smtClean="0">
+                <a:latin typeface="黑体" panose="02010609060101010101" pitchFamily="49" charset="-122"/>
+                <a:ea typeface="黑体" panose="02010609060101010101" pitchFamily="49" charset="-122"/>
+              </a:rPr>
+              <a:t>存在的问题是流量拉取，路径较长，多数掌控在父母手中，所以下载量靠前的多以学习为主</a:t>
+            </a:r>
+            <a:endParaRPr lang="en-US" altLang="zh-CN" dirty="0" smtClean="0">
+              <a:latin typeface="黑体" panose="02010609060101010101" pitchFamily="49" charset="-122"/>
+              <a:ea typeface="黑体" panose="02010609060101010101" pitchFamily="49" charset="-122"/>
+            </a:endParaRPr>
+          </a:p>
+          <a:p>
+            <a:pPr marL="285750" indent="-285750">
+              <a:buFont typeface="Arial" panose="020B0604020202020204" pitchFamily="34" charset="0"/>
+              <a:buChar char="•"/>
+            </a:pPr>
+            <a:r>
+              <a:rPr lang="zh-CN" altLang="en-US" dirty="0" smtClean="0">
+                <a:latin typeface="黑体" panose="02010609060101010101" pitchFamily="49" charset="-122"/>
+                <a:ea typeface="黑体" panose="02010609060101010101" pitchFamily="49" charset="-122"/>
+              </a:rPr>
+              <a:t>我们的策略：硬件产品稳定引流，以取悦孩子为核心，用软件产品将用户留住。</a:t>
+            </a:r>
+            <a:endParaRPr lang="en-US" altLang="zh-CN" dirty="0" smtClean="0">
+              <a:latin typeface="黑体" panose="02010609060101010101" pitchFamily="49" charset="-122"/>
+              <a:ea typeface="黑体" panose="02010609060101010101" pitchFamily="49" charset="-122"/>
+            </a:endParaRPr>
+          </a:p>
+          <a:p>
+            <a:pPr marL="285750" indent="-285750">
+              <a:buFont typeface="Arial" panose="020B0604020202020204" pitchFamily="34" charset="0"/>
+              <a:buChar char="•"/>
+            </a:pPr>
+            <a:r>
+              <a:rPr lang="zh-CN" altLang="en-US" dirty="0" smtClean="0">
+                <a:latin typeface="黑体" panose="02010609060101010101" pitchFamily="49" charset="-122"/>
+                <a:ea typeface="黑体" panose="02010609060101010101" pitchFamily="49" charset="-122"/>
+              </a:rPr>
+              <a:t>我们的优势：有技术，有产品，有团队</a:t>
+            </a:r>
+            <a:endParaRPr lang="en-US" altLang="zh-CN" dirty="0" smtClean="0">
+              <a:latin typeface="黑体" panose="02010609060101010101" pitchFamily="49" charset="-122"/>
+              <a:ea typeface="黑体" panose="02010609060101010101" pitchFamily="49" charset="-122"/>
+            </a:endParaRPr>
+          </a:p>
+        </p:txBody>
+      </p:sp>
+      <p:sp>
+        <p:nvSpPr>
+          <p:cNvPr id="5" name="流程图: 联系 4"/>
+          <p:cNvSpPr/>
+          <p:nvPr/>
+        </p:nvSpPr>
+        <p:spPr>
+          <a:xfrm>
+            <a:off x="3014677" y="999596"/>
+            <a:ext cx="2000940" cy="1978993"/>
+          </a:xfrm>
+          <a:prstGeom prst="flowChartConnector">
+            <a:avLst/>
+          </a:prstGeom>
+          <a:solidFill>
+            <a:schemeClr val="accent4">
+              <a:lumMod val="20000"/>
+              <a:lumOff val="80000"/>
+            </a:schemeClr>
+          </a:solidFill>
+          <a:ln>
+            <a:noFill/>
+          </a:ln>
+        </p:spPr>
+        <p:style>
+          <a:lnRef idx="2">
+            <a:schemeClr val="accent1">
+              <a:shade val="50000"/>
+            </a:schemeClr>
+          </a:lnRef>
+          <a:fillRef idx="1">
+            <a:schemeClr val="accent1"/>
+          </a:fillRef>
+          <a:effectRef idx="0">
+            <a:schemeClr val="accent1"/>
+          </a:effectRef>
+          <a:fontRef idx="minor">
+            <a:schemeClr val="lt1"/>
+          </a:fontRef>
+        </p:style>
+        <p:txBody>
+          <a:bodyPr rtlCol="0" anchor="ctr"/>
+          <a:lstStyle/>
+          <a:p>
+            <a:pPr algn="ctr"/>
+            <a:r>
+              <a:rPr lang="zh-CN" altLang="en-US" sz="2400" dirty="0" smtClean="0">
+                <a:solidFill>
+                  <a:schemeClr val="tx1">
+                    <a:lumMod val="85000"/>
+                    <a:lumOff val="15000"/>
+                  </a:schemeClr>
+                </a:solidFill>
+                <a:latin typeface="黑体" panose="02010609060101010101" pitchFamily="49" charset="-122"/>
+                <a:ea typeface="黑体" panose="02010609060101010101" pitchFamily="49" charset="-122"/>
+              </a:rPr>
+              <a:t>学习游戏</a:t>
+            </a:r>
+            <a:endParaRPr lang="zh-CN" altLang="en-US" sz="2400" dirty="0">
+              <a:solidFill>
+                <a:schemeClr val="tx1">
+                  <a:lumMod val="85000"/>
+                  <a:lumOff val="15000"/>
+                </a:schemeClr>
+              </a:solidFill>
+              <a:latin typeface="黑体" panose="02010609060101010101" pitchFamily="49" charset="-122"/>
+              <a:ea typeface="黑体" panose="02010609060101010101" pitchFamily="49" charset="-122"/>
+            </a:endParaRPr>
+          </a:p>
+        </p:txBody>
+      </p:sp>
+      <p:sp>
+        <p:nvSpPr>
+          <p:cNvPr id="6" name="流程图: 联系 5"/>
+          <p:cNvSpPr/>
+          <p:nvPr/>
+        </p:nvSpPr>
+        <p:spPr>
+          <a:xfrm>
+            <a:off x="4878184" y="1243134"/>
+            <a:ext cx="1540042" cy="1491916"/>
+          </a:xfrm>
+          <a:prstGeom prst="flowChartConnector">
+            <a:avLst/>
+          </a:prstGeom>
+          <a:solidFill>
+            <a:schemeClr val="accent5">
+              <a:lumMod val="20000"/>
+              <a:lumOff val="80000"/>
+            </a:schemeClr>
+          </a:solidFill>
+          <a:ln>
+            <a:noFill/>
+          </a:ln>
+        </p:spPr>
+        <p:style>
+          <a:lnRef idx="2">
+            <a:schemeClr val="accent1">
+              <a:shade val="50000"/>
+            </a:schemeClr>
+          </a:lnRef>
+          <a:fillRef idx="1">
+            <a:schemeClr val="accent1"/>
+          </a:fillRef>
+          <a:effectRef idx="0">
+            <a:schemeClr val="accent1"/>
+          </a:effectRef>
+          <a:fontRef idx="minor">
+            <a:schemeClr val="lt1"/>
+          </a:fontRef>
+        </p:style>
+        <p:txBody>
+          <a:bodyPr rtlCol="0" anchor="ctr"/>
+          <a:lstStyle/>
+          <a:p>
+            <a:pPr algn="ctr"/>
+            <a:r>
+              <a:rPr lang="zh-CN" altLang="en-US" sz="2000" dirty="0">
+                <a:solidFill>
+                  <a:schemeClr val="tx1">
+                    <a:lumMod val="85000"/>
+                    <a:lumOff val="15000"/>
+                  </a:schemeClr>
+                </a:solidFill>
+                <a:latin typeface="黑体" panose="02010609060101010101" pitchFamily="49" charset="-122"/>
+                <a:ea typeface="黑体" panose="02010609060101010101" pitchFamily="49" charset="-122"/>
+              </a:rPr>
+              <a:t>过家家</a:t>
+            </a:r>
+            <a:endParaRPr lang="zh-CN" altLang="en-US" sz="2000" dirty="0">
+              <a:solidFill>
+                <a:schemeClr val="tx1">
+                  <a:lumMod val="85000"/>
+                  <a:lumOff val="15000"/>
+                </a:schemeClr>
+              </a:solidFill>
+              <a:latin typeface="黑体" panose="02010609060101010101" pitchFamily="49" charset="-122"/>
+              <a:ea typeface="黑体" panose="02010609060101010101" pitchFamily="49" charset="-122"/>
+            </a:endParaRPr>
+          </a:p>
+        </p:txBody>
+      </p:sp>
+      <p:sp>
+        <p:nvSpPr>
+          <p:cNvPr id="7" name="流程图: 联系 6"/>
+          <p:cNvSpPr/>
+          <p:nvPr/>
+        </p:nvSpPr>
+        <p:spPr>
+          <a:xfrm>
+            <a:off x="6270970" y="1383915"/>
+            <a:ext cx="1216307" cy="1210354"/>
+          </a:xfrm>
+          <a:prstGeom prst="flowChartConnector">
+            <a:avLst/>
+          </a:prstGeom>
+          <a:solidFill>
+            <a:schemeClr val="accent6">
+              <a:lumMod val="40000"/>
+              <a:lumOff val="60000"/>
+            </a:schemeClr>
+          </a:solidFill>
+          <a:ln>
+            <a:noFill/>
+          </a:ln>
+        </p:spPr>
+        <p:style>
+          <a:lnRef idx="2">
+            <a:schemeClr val="accent1">
+              <a:shade val="50000"/>
+            </a:schemeClr>
+          </a:lnRef>
+          <a:fillRef idx="1">
+            <a:schemeClr val="accent1"/>
+          </a:fillRef>
+          <a:effectRef idx="0">
+            <a:schemeClr val="accent1"/>
+          </a:effectRef>
+          <a:fontRef idx="minor">
+            <a:schemeClr val="lt1"/>
+          </a:fontRef>
+        </p:style>
+        <p:txBody>
+          <a:bodyPr rtlCol="0" anchor="ctr"/>
+          <a:lstStyle/>
+          <a:p>
+            <a:pPr algn="ctr"/>
+            <a:r>
+              <a:rPr lang="zh-CN" altLang="en-US" dirty="0" smtClean="0">
+                <a:solidFill>
+                  <a:schemeClr val="tx1">
+                    <a:lumMod val="85000"/>
+                    <a:lumOff val="15000"/>
+                  </a:schemeClr>
+                </a:solidFill>
+                <a:latin typeface="黑体" panose="02010609060101010101" pitchFamily="49" charset="-122"/>
+                <a:ea typeface="黑体" panose="02010609060101010101" pitchFamily="49" charset="-122"/>
+              </a:rPr>
+              <a:t>游戏</a:t>
+            </a:r>
+            <a:endParaRPr lang="zh-CN" altLang="en-US" dirty="0">
+              <a:solidFill>
+                <a:schemeClr val="tx1">
+                  <a:lumMod val="85000"/>
+                  <a:lumOff val="15000"/>
+                </a:schemeClr>
+              </a:solidFill>
+              <a:latin typeface="黑体" panose="02010609060101010101" pitchFamily="49" charset="-122"/>
+              <a:ea typeface="黑体" panose="02010609060101010101" pitchFamily="49" charset="-122"/>
+            </a:endParaRPr>
+          </a:p>
+        </p:txBody>
+      </p:sp>
+      <p:sp>
+        <p:nvSpPr>
+          <p:cNvPr id="8" name="流程图: 联系 7"/>
+          <p:cNvSpPr/>
+          <p:nvPr/>
+        </p:nvSpPr>
+        <p:spPr>
+          <a:xfrm>
+            <a:off x="7392091" y="1622149"/>
+            <a:ext cx="765081" cy="740806"/>
+          </a:xfrm>
+          <a:prstGeom prst="flowChartConnector">
+            <a:avLst/>
+          </a:prstGeom>
+          <a:solidFill>
+            <a:schemeClr val="bg1">
+              <a:lumMod val="95000"/>
+            </a:schemeClr>
+          </a:solidFill>
+          <a:ln>
+            <a:noFill/>
+          </a:ln>
+        </p:spPr>
+        <p:style>
+          <a:lnRef idx="2">
+            <a:schemeClr val="accent1">
+              <a:shade val="50000"/>
+            </a:schemeClr>
+          </a:lnRef>
+          <a:fillRef idx="1">
+            <a:schemeClr val="accent1"/>
+          </a:fillRef>
+          <a:effectRef idx="0">
+            <a:schemeClr val="accent1"/>
+          </a:effectRef>
+          <a:fontRef idx="minor">
+            <a:schemeClr val="lt1"/>
+          </a:fontRef>
+        </p:style>
+        <p:txBody>
+          <a:bodyPr rtlCol="0" anchor="ctr"/>
+          <a:lstStyle/>
+          <a:p>
+            <a:pPr algn="ctr"/>
+            <a:r>
+              <a:rPr lang="zh-CN" altLang="en-US" sz="1400" dirty="0" smtClean="0">
+                <a:solidFill>
+                  <a:schemeClr val="tx1">
+                    <a:lumMod val="85000"/>
+                    <a:lumOff val="15000"/>
+                  </a:schemeClr>
+                </a:solidFill>
+                <a:latin typeface="黑体" panose="02010609060101010101" pitchFamily="49" charset="-122"/>
+                <a:ea typeface="黑体" panose="02010609060101010101" pitchFamily="49" charset="-122"/>
+              </a:rPr>
+              <a:t>其他</a:t>
+            </a:r>
+            <a:endParaRPr lang="zh-CN" altLang="en-US" sz="1400" dirty="0">
+              <a:solidFill>
+                <a:schemeClr val="tx1">
+                  <a:lumMod val="85000"/>
+                  <a:lumOff val="15000"/>
+                </a:schemeClr>
+              </a:solidFill>
+              <a:latin typeface="黑体" panose="02010609060101010101" pitchFamily="49" charset="-122"/>
+              <a:ea typeface="黑体" panose="02010609060101010101" pitchFamily="49" charset="-122"/>
+            </a:endParaRPr>
+          </a:p>
+        </p:txBody>
+      </p:sp>
+      <p:sp>
+        <p:nvSpPr>
+          <p:cNvPr id="9" name="文本框 8"/>
+          <p:cNvSpPr txBox="1"/>
+          <p:nvPr/>
+        </p:nvSpPr>
+        <p:spPr>
+          <a:xfrm>
+            <a:off x="499344" y="48973"/>
+            <a:ext cx="1415772" cy="830997"/>
+          </a:xfrm>
+          <a:prstGeom prst="rect">
+            <a:avLst/>
+          </a:prstGeom>
+          <a:noFill/>
+        </p:spPr>
+        <p:txBody>
+          <a:bodyPr wrap="none" rtlCol="0">
+            <a:spAutoFit/>
+          </a:bodyPr>
+          <a:lstStyle/>
+          <a:p>
+            <a:r>
+              <a:rPr lang="zh-CN" altLang="en-US" sz="4800" dirty="0">
+                <a:latin typeface="黑体" panose="02010609060101010101" pitchFamily="49" charset="-122"/>
+                <a:ea typeface="黑体" panose="02010609060101010101" pitchFamily="49" charset="-122"/>
+              </a:rPr>
+              <a:t>现状</a:t>
+            </a:r>
+            <a:endParaRPr lang="zh-CN" altLang="en-US" sz="4800" dirty="0">
+              <a:latin typeface="黑体" panose="02010609060101010101" pitchFamily="49" charset="-122"/>
+              <a:ea typeface="黑体" panose="02010609060101010101" pitchFamily="49" charset="-122"/>
+            </a:endParaRPr>
+          </a:p>
+        </p:txBody>
+      </p:sp>
+    </p:spTree>
+    <p:extLst>
+      <p:ext uri="{BB962C8B-B14F-4D97-AF65-F5344CB8AC3E}">
+        <p14:creationId xmlns:p14="http://schemas.microsoft.com/office/powerpoint/2010/main" val="3313028245"/>
+      </p:ext>
+    </p:extLst>
+  </p:cSld>
+  <p:clrMapOvr>
+    <a:masterClrMapping/>
+  </p:clrMapOvr>
+</p:sld>
+</file>
+
+<file path=ppt/slides/slide3.xml><?xml version="1.0" encoding="utf-8"?>
+<p:sld xmlns:a="http://schemas.openxmlformats.org/drawingml/2006/main" xmlns:r="http://schemas.openxmlformats.org/officeDocument/2006/relationships" xmlns:p="http://schemas.openxmlformats.org/presentationml/2006/main">
+  <p:cSld>
+    <p:spTree>
+      <p:nvGrpSpPr>
+        <p:cNvPr id="1" name=""/>
+        <p:cNvGrpSpPr/>
+        <p:nvPr/>
+      </p:nvGrpSpPr>
+      <p:grpSpPr>
+        <a:xfrm>
+          <a:off x="0" y="0"/>
+          <a:ext cx="0" cy="0"/>
+          <a:chOff x="0" y="0"/>
+          <a:chExt cx="0" cy="0"/>
+        </a:xfrm>
+      </p:grpSpPr>
+      <p:grpSp>
+        <p:nvGrpSpPr>
+          <p:cNvPr id="19" name="组合 18"/>
+          <p:cNvGrpSpPr/>
+          <p:nvPr/>
+        </p:nvGrpSpPr>
+        <p:grpSpPr>
+          <a:xfrm rot="14258870">
+            <a:off x="5629751" y="3553777"/>
+            <a:ext cx="778598" cy="2236206"/>
+            <a:chOff x="4724223" y="2073056"/>
+            <a:chExt cx="778598" cy="2236206"/>
+          </a:xfrm>
+        </p:grpSpPr>
+        <p:sp>
+          <p:nvSpPr>
+            <p:cNvPr id="20" name="矩形 19"/>
+            <p:cNvSpPr/>
+            <p:nvPr/>
+          </p:nvSpPr>
+          <p:spPr>
+            <a:xfrm rot="1841834">
+              <a:off x="4724223" y="2073056"/>
+              <a:ext cx="778598" cy="2236206"/>
+            </a:xfrm>
+            <a:prstGeom prst="rect">
+              <a:avLst/>
+            </a:prstGeom>
+            <a:solidFill>
+              <a:schemeClr val="bg1">
+                <a:lumMod val="95000"/>
+              </a:schemeClr>
+            </a:solidFill>
+            <a:ln>
+              <a:noFill/>
+            </a:ln>
+          </p:spPr>
+          <p:style>
+            <a:lnRef idx="2">
+              <a:schemeClr val="accent1">
+                <a:shade val="50000"/>
+              </a:schemeClr>
+            </a:lnRef>
+            <a:fillRef idx="1">
+              <a:schemeClr val="accent1"/>
+            </a:fillRef>
+            <a:effectRef idx="0">
+              <a:schemeClr val="accent1"/>
+            </a:effectRef>
+            <a:fontRef idx="minor">
+              <a:schemeClr val="lt1"/>
+            </a:fontRef>
+          </p:style>
+          <p:txBody>
+            <a:bodyPr rtlCol="0" anchor="ctr"/>
+            <a:lstStyle/>
+            <a:p>
+              <a:pPr algn="ctr"/>
+              <a:endParaRPr lang="zh-CN" altLang="en-US"/>
+            </a:p>
+          </p:txBody>
+        </p:sp>
+        <p:sp>
+          <p:nvSpPr>
+            <p:cNvPr id="21" name="燕尾形 20"/>
+            <p:cNvSpPr/>
+            <p:nvPr/>
+          </p:nvSpPr>
+          <p:spPr>
+            <a:xfrm rot="18151359">
+              <a:off x="4762121" y="2927972"/>
+              <a:ext cx="633743" cy="669957"/>
+            </a:xfrm>
+            <a:prstGeom prst="chevron">
+              <a:avLst/>
+            </a:prstGeom>
+            <a:solidFill>
+              <a:schemeClr val="accent1">
+                <a:lumMod val="20000"/>
+                <a:lumOff val="80000"/>
+              </a:schemeClr>
+            </a:solidFill>
+            <a:ln>
+              <a:noFill/>
+            </a:ln>
+          </p:spPr>
+          <p:style>
+            <a:lnRef idx="2">
+              <a:schemeClr val="accent1">
+                <a:shade val="50000"/>
+              </a:schemeClr>
+            </a:lnRef>
+            <a:fillRef idx="1">
+              <a:schemeClr val="accent1"/>
+            </a:fillRef>
+            <a:effectRef idx="0">
+              <a:schemeClr val="accent1"/>
+            </a:effectRef>
+            <a:fontRef idx="minor">
+              <a:schemeClr val="lt1"/>
+            </a:fontRef>
+          </p:style>
+          <p:txBody>
+            <a:bodyPr rtlCol="0" anchor="ctr"/>
+            <a:lstStyle/>
+            <a:p>
+              <a:pPr algn="ctr"/>
+              <a:endParaRPr lang="zh-CN" altLang="en-US">
+                <a:solidFill>
+                  <a:schemeClr val="tx1"/>
+                </a:solidFill>
+              </a:endParaRPr>
+            </a:p>
+          </p:txBody>
+        </p:sp>
+      </p:grpSp>
+      <p:grpSp>
+        <p:nvGrpSpPr>
+          <p:cNvPr id="16" name="组合 15"/>
+          <p:cNvGrpSpPr/>
+          <p:nvPr/>
+        </p:nvGrpSpPr>
+        <p:grpSpPr>
+          <a:xfrm rot="6645939">
+            <a:off x="6594991" y="2144847"/>
+            <a:ext cx="778598" cy="2236206"/>
+            <a:chOff x="4724223" y="2073056"/>
+            <a:chExt cx="778598" cy="2236206"/>
+          </a:xfrm>
+        </p:grpSpPr>
+        <p:sp>
+          <p:nvSpPr>
+            <p:cNvPr id="17" name="矩形 16"/>
+            <p:cNvSpPr/>
+            <p:nvPr/>
+          </p:nvSpPr>
+          <p:spPr>
+            <a:xfrm rot="1841834">
+              <a:off x="4724223" y="2073056"/>
+              <a:ext cx="778598" cy="2236206"/>
+            </a:xfrm>
+            <a:prstGeom prst="rect">
+              <a:avLst/>
+            </a:prstGeom>
+            <a:solidFill>
+              <a:schemeClr val="bg1">
+                <a:lumMod val="95000"/>
+              </a:schemeClr>
+            </a:solidFill>
+            <a:ln>
+              <a:noFill/>
+            </a:ln>
+          </p:spPr>
+          <p:style>
+            <a:lnRef idx="2">
+              <a:schemeClr val="accent1">
+                <a:shade val="50000"/>
+              </a:schemeClr>
+            </a:lnRef>
+            <a:fillRef idx="1">
+              <a:schemeClr val="accent1"/>
+            </a:fillRef>
+            <a:effectRef idx="0">
+              <a:schemeClr val="accent1"/>
+            </a:effectRef>
+            <a:fontRef idx="minor">
+              <a:schemeClr val="lt1"/>
+            </a:fontRef>
+          </p:style>
+          <p:txBody>
+            <a:bodyPr rtlCol="0" anchor="ctr"/>
+            <a:lstStyle/>
+            <a:p>
+              <a:pPr algn="ctr"/>
+              <a:endParaRPr lang="zh-CN" altLang="en-US"/>
+            </a:p>
+          </p:txBody>
+        </p:sp>
+        <p:sp>
+          <p:nvSpPr>
+            <p:cNvPr id="18" name="燕尾形 17"/>
+            <p:cNvSpPr/>
+            <p:nvPr/>
+          </p:nvSpPr>
+          <p:spPr>
+            <a:xfrm rot="18151359">
+              <a:off x="4762121" y="2927972"/>
+              <a:ext cx="633743" cy="669957"/>
+            </a:xfrm>
+            <a:prstGeom prst="chevron">
+              <a:avLst/>
+            </a:prstGeom>
+            <a:solidFill>
+              <a:schemeClr val="accent1">
+                <a:lumMod val="20000"/>
+                <a:lumOff val="80000"/>
+              </a:schemeClr>
+            </a:solidFill>
+            <a:ln>
+              <a:noFill/>
+            </a:ln>
+          </p:spPr>
+          <p:style>
+            <a:lnRef idx="2">
+              <a:schemeClr val="accent1">
+                <a:shade val="50000"/>
+              </a:schemeClr>
+            </a:lnRef>
+            <a:fillRef idx="1">
+              <a:schemeClr val="accent1"/>
+            </a:fillRef>
+            <a:effectRef idx="0">
+              <a:schemeClr val="accent1"/>
+            </a:effectRef>
+            <a:fontRef idx="minor">
+              <a:schemeClr val="lt1"/>
+            </a:fontRef>
+          </p:style>
+          <p:txBody>
+            <a:bodyPr rtlCol="0" anchor="ctr"/>
+            <a:lstStyle/>
+            <a:p>
+              <a:pPr algn="ctr"/>
+              <a:endParaRPr lang="zh-CN" altLang="en-US">
+                <a:solidFill>
+                  <a:schemeClr val="tx1"/>
+                </a:solidFill>
+              </a:endParaRPr>
+            </a:p>
+          </p:txBody>
+        </p:sp>
+      </p:grpSp>
+      <p:grpSp>
+        <p:nvGrpSpPr>
+          <p:cNvPr id="6" name="组合 5"/>
+          <p:cNvGrpSpPr/>
+          <p:nvPr/>
+        </p:nvGrpSpPr>
+        <p:grpSpPr>
+          <a:xfrm>
+            <a:off x="4724223" y="2073056"/>
+            <a:ext cx="778598" cy="2236206"/>
+            <a:chOff x="4724223" y="2073056"/>
+            <a:chExt cx="778598" cy="2236206"/>
+          </a:xfrm>
+        </p:grpSpPr>
+        <p:sp>
+          <p:nvSpPr>
+            <p:cNvPr id="5" name="矩形 4"/>
+            <p:cNvSpPr/>
+            <p:nvPr/>
+          </p:nvSpPr>
+          <p:spPr>
+            <a:xfrm rot="1841834">
+              <a:off x="4724223" y="2073056"/>
+              <a:ext cx="778598" cy="2236206"/>
+            </a:xfrm>
+            <a:prstGeom prst="rect">
+              <a:avLst/>
+            </a:prstGeom>
+            <a:solidFill>
+              <a:schemeClr val="bg1">
+                <a:lumMod val="95000"/>
+              </a:schemeClr>
+            </a:solidFill>
+            <a:ln>
+              <a:noFill/>
+            </a:ln>
+          </p:spPr>
+          <p:style>
+            <a:lnRef idx="2">
+              <a:schemeClr val="accent1">
+                <a:shade val="50000"/>
+              </a:schemeClr>
+            </a:lnRef>
+            <a:fillRef idx="1">
+              <a:schemeClr val="accent1"/>
+            </a:fillRef>
+            <a:effectRef idx="0">
+              <a:schemeClr val="accent1"/>
+            </a:effectRef>
+            <a:fontRef idx="minor">
+              <a:schemeClr val="lt1"/>
+            </a:fontRef>
+          </p:style>
+          <p:txBody>
+            <a:bodyPr rtlCol="0" anchor="ctr"/>
+            <a:lstStyle/>
+            <a:p>
+              <a:pPr algn="ctr"/>
+              <a:endParaRPr lang="zh-CN" altLang="en-US"/>
+            </a:p>
+          </p:txBody>
+        </p:sp>
+        <p:sp>
+          <p:nvSpPr>
+            <p:cNvPr id="15" name="燕尾形 14"/>
+            <p:cNvSpPr/>
+            <p:nvPr/>
+          </p:nvSpPr>
+          <p:spPr>
+            <a:xfrm rot="18151359">
+              <a:off x="4762121" y="2927972"/>
+              <a:ext cx="633743" cy="669957"/>
+            </a:xfrm>
+            <a:prstGeom prst="chevron">
+              <a:avLst/>
+            </a:prstGeom>
+            <a:solidFill>
+              <a:schemeClr val="accent1">
+                <a:lumMod val="20000"/>
+                <a:lumOff val="80000"/>
+              </a:schemeClr>
+            </a:solidFill>
+            <a:ln>
+              <a:noFill/>
+            </a:ln>
+          </p:spPr>
+          <p:style>
+            <a:lnRef idx="2">
+              <a:schemeClr val="accent1">
+                <a:shade val="50000"/>
+              </a:schemeClr>
+            </a:lnRef>
+            <a:fillRef idx="1">
+              <a:schemeClr val="accent1"/>
+            </a:fillRef>
+            <a:effectRef idx="0">
+              <a:schemeClr val="accent1"/>
+            </a:effectRef>
+            <a:fontRef idx="minor">
+              <a:schemeClr val="lt1"/>
+            </a:fontRef>
+          </p:style>
+          <p:txBody>
+            <a:bodyPr rtlCol="0" anchor="ctr"/>
+            <a:lstStyle/>
+            <a:p>
+              <a:pPr algn="ctr"/>
+              <a:endParaRPr lang="zh-CN" altLang="en-US">
+                <a:solidFill>
+                  <a:schemeClr val="tx1"/>
+                </a:solidFill>
+              </a:endParaRPr>
+            </a:p>
+          </p:txBody>
+        </p:sp>
+      </p:grpSp>
+      <p:sp>
+        <p:nvSpPr>
+          <p:cNvPr id="12" name="文本框 11"/>
+          <p:cNvSpPr txBox="1"/>
+          <p:nvPr/>
+        </p:nvSpPr>
+        <p:spPr>
+          <a:xfrm>
+            <a:off x="774777" y="323808"/>
+            <a:ext cx="1415772" cy="830997"/>
+          </a:xfrm>
+          <a:prstGeom prst="rect">
+            <a:avLst/>
+          </a:prstGeom>
+          <a:noFill/>
+        </p:spPr>
+        <p:txBody>
+          <a:bodyPr wrap="none" rtlCol="0">
+            <a:spAutoFit/>
+          </a:bodyPr>
+          <a:lstStyle/>
+          <a:p>
+            <a:r>
+              <a:rPr lang="zh-CN" altLang="en-US" sz="4800" dirty="0" smtClean="0">
+                <a:latin typeface="黑体" panose="02010609060101010101" pitchFamily="49" charset="-122"/>
+                <a:ea typeface="黑体" panose="02010609060101010101" pitchFamily="49" charset="-122"/>
+              </a:rPr>
+              <a:t>未来</a:t>
+            </a:r>
+            <a:endParaRPr lang="zh-CN" altLang="en-US" sz="4800" dirty="0">
+              <a:latin typeface="黑体" panose="02010609060101010101" pitchFamily="49" charset="-122"/>
+              <a:ea typeface="黑体" panose="02010609060101010101" pitchFamily="49" charset="-122"/>
+            </a:endParaRPr>
+          </a:p>
+        </p:txBody>
+      </p:sp>
+      <p:sp>
+        <p:nvSpPr>
+          <p:cNvPr id="8" name="流程图: 联系 7"/>
+          <p:cNvSpPr/>
+          <p:nvPr/>
+        </p:nvSpPr>
+        <p:spPr>
+          <a:xfrm>
+            <a:off x="3526468" y="3710226"/>
+            <a:ext cx="1657339" cy="1707389"/>
+          </a:xfrm>
+          <a:prstGeom prst="flowChartConnector">
+            <a:avLst/>
+          </a:prstGeom>
+          <a:solidFill>
+            <a:srgbClr val="7030A0"/>
+          </a:solidFill>
+          <a:ln>
+            <a:noFill/>
+          </a:ln>
+        </p:spPr>
+        <p:style>
+          <a:lnRef idx="2">
+            <a:schemeClr val="accent1">
+              <a:shade val="50000"/>
+            </a:schemeClr>
+          </a:lnRef>
+          <a:fillRef idx="1">
+            <a:schemeClr val="accent1"/>
+          </a:fillRef>
+          <a:effectRef idx="0">
+            <a:schemeClr val="accent1"/>
+          </a:effectRef>
+          <a:fontRef idx="minor">
+            <a:schemeClr val="lt1"/>
+          </a:fontRef>
+        </p:style>
+        <p:txBody>
+          <a:bodyPr rtlCol="0" anchor="ctr"/>
+          <a:lstStyle/>
+          <a:p>
+            <a:pPr algn="ctr"/>
+            <a:r>
+              <a:rPr lang="zh-CN" altLang="en-US" dirty="0" smtClean="0">
+                <a:solidFill>
+                  <a:schemeClr val="bg1"/>
+                </a:solidFill>
+                <a:latin typeface="黑体" panose="02010609060101010101" pitchFamily="49" charset="-122"/>
+                <a:ea typeface="黑体" panose="02010609060101010101" pitchFamily="49" charset="-122"/>
+              </a:rPr>
+              <a:t>软件玩法</a:t>
+            </a:r>
+            <a:endParaRPr lang="zh-CN" altLang="en-US" dirty="0">
+              <a:solidFill>
+                <a:schemeClr val="bg1"/>
+              </a:solidFill>
+              <a:latin typeface="黑体" panose="02010609060101010101" pitchFamily="49" charset="-122"/>
+              <a:ea typeface="黑体" panose="02010609060101010101" pitchFamily="49" charset="-122"/>
+            </a:endParaRPr>
+          </a:p>
+        </p:txBody>
+      </p:sp>
+      <p:sp>
+        <p:nvSpPr>
+          <p:cNvPr id="11" name="流程图: 联系 10"/>
+          <p:cNvSpPr/>
+          <p:nvPr/>
+        </p:nvSpPr>
+        <p:spPr>
+          <a:xfrm>
+            <a:off x="5192485" y="1238587"/>
+            <a:ext cx="1625949" cy="1715145"/>
+          </a:xfrm>
+          <a:prstGeom prst="flowChartConnector">
+            <a:avLst/>
+          </a:prstGeom>
+          <a:solidFill>
+            <a:schemeClr val="accent1">
+              <a:lumMod val="75000"/>
+            </a:schemeClr>
+          </a:solidFill>
+          <a:ln>
+            <a:noFill/>
+          </a:ln>
+        </p:spPr>
+        <p:style>
+          <a:lnRef idx="2">
+            <a:schemeClr val="accent1">
+              <a:shade val="50000"/>
+            </a:schemeClr>
+          </a:lnRef>
+          <a:fillRef idx="1">
+            <a:schemeClr val="accent1"/>
+          </a:fillRef>
+          <a:effectRef idx="0">
+            <a:schemeClr val="accent1"/>
+          </a:effectRef>
+          <a:fontRef idx="minor">
+            <a:schemeClr val="lt1"/>
+          </a:fontRef>
+        </p:style>
+        <p:txBody>
+          <a:bodyPr rtlCol="0" anchor="ctr"/>
+          <a:lstStyle/>
+          <a:p>
+            <a:pPr algn="ctr"/>
+            <a:r>
+              <a:rPr lang="zh-CN" altLang="en-US" dirty="0" smtClean="0">
+                <a:solidFill>
+                  <a:schemeClr val="bg1"/>
+                </a:solidFill>
+                <a:latin typeface="黑体" panose="02010609060101010101" pitchFamily="49" charset="-122"/>
+                <a:ea typeface="黑体" panose="02010609060101010101" pitchFamily="49" charset="-122"/>
+              </a:rPr>
+              <a:t>硬件玩法</a:t>
+            </a:r>
+            <a:endParaRPr lang="zh-CN" altLang="en-US" dirty="0">
+              <a:solidFill>
+                <a:schemeClr val="bg1"/>
+              </a:solidFill>
+              <a:latin typeface="黑体" panose="02010609060101010101" pitchFamily="49" charset="-122"/>
+              <a:ea typeface="黑体" panose="02010609060101010101" pitchFamily="49" charset="-122"/>
+            </a:endParaRPr>
+          </a:p>
+        </p:txBody>
+      </p:sp>
+      <p:sp>
+        <p:nvSpPr>
+          <p:cNvPr id="13" name="流程图: 联系 12"/>
+          <p:cNvSpPr/>
+          <p:nvPr/>
+        </p:nvSpPr>
+        <p:spPr>
+          <a:xfrm>
+            <a:off x="6979680" y="3641216"/>
+            <a:ext cx="1700882" cy="1707388"/>
+          </a:xfrm>
+          <a:prstGeom prst="flowChartConnector">
+            <a:avLst/>
+          </a:prstGeom>
+          <a:solidFill>
+            <a:schemeClr val="accent4">
+              <a:lumMod val="75000"/>
+            </a:schemeClr>
+          </a:solidFill>
+          <a:ln>
+            <a:noFill/>
+          </a:ln>
+        </p:spPr>
+        <p:style>
+          <a:lnRef idx="2">
+            <a:schemeClr val="accent1">
+              <a:shade val="50000"/>
+            </a:schemeClr>
+          </a:lnRef>
+          <a:fillRef idx="1">
+            <a:schemeClr val="accent1"/>
+          </a:fillRef>
+          <a:effectRef idx="0">
+            <a:schemeClr val="accent1"/>
+          </a:effectRef>
+          <a:fontRef idx="minor">
+            <a:schemeClr val="lt1"/>
+          </a:fontRef>
+        </p:style>
+        <p:txBody>
+          <a:bodyPr rtlCol="0" anchor="ctr"/>
+          <a:lstStyle/>
+          <a:p>
+            <a:pPr algn="ctr"/>
+            <a:r>
+              <a:rPr lang="zh-CN" altLang="en-US" dirty="0" smtClean="0">
+                <a:solidFill>
+                  <a:schemeClr val="bg1"/>
+                </a:solidFill>
+                <a:latin typeface="黑体" panose="02010609060101010101" pitchFamily="49" charset="-122"/>
+                <a:ea typeface="黑体" panose="02010609060101010101" pitchFamily="49" charset="-122"/>
+              </a:rPr>
+              <a:t>智能玩法</a:t>
+            </a:r>
+            <a:endParaRPr lang="zh-CN" altLang="en-US" dirty="0">
+              <a:solidFill>
+                <a:schemeClr val="bg1"/>
+              </a:solidFill>
+              <a:latin typeface="黑体" panose="02010609060101010101" pitchFamily="49" charset="-122"/>
+              <a:ea typeface="黑体" panose="02010609060101010101" pitchFamily="49" charset="-122"/>
+            </a:endParaRPr>
+          </a:p>
+        </p:txBody>
+      </p:sp>
+      <p:sp>
+        <p:nvSpPr>
+          <p:cNvPr id="7" name="文本框 6"/>
+          <p:cNvSpPr txBox="1"/>
+          <p:nvPr/>
+        </p:nvSpPr>
+        <p:spPr>
+          <a:xfrm>
+            <a:off x="8958137" y="4326712"/>
+            <a:ext cx="1627369" cy="1200329"/>
+          </a:xfrm>
+          <a:prstGeom prst="rect">
+            <a:avLst/>
+          </a:prstGeom>
+          <a:noFill/>
+        </p:spPr>
+        <p:txBody>
+          <a:bodyPr wrap="none" rtlCol="0">
+            <a:spAutoFit/>
+          </a:bodyPr>
+          <a:lstStyle/>
+          <a:p>
+            <a:pPr marL="285750" indent="-285750">
+              <a:buFont typeface="Arial" panose="020B0604020202020204" pitchFamily="34" charset="0"/>
+              <a:buChar char="•"/>
+            </a:pPr>
+            <a:r>
+              <a:rPr lang="en-US" altLang="zh-CN" dirty="0" smtClean="0">
+                <a:latin typeface="黑体" panose="02010609060101010101" pitchFamily="49" charset="-122"/>
+                <a:ea typeface="黑体" panose="02010609060101010101" pitchFamily="49" charset="-122"/>
+              </a:rPr>
+              <a:t>AR</a:t>
+            </a:r>
+            <a:r>
+              <a:rPr lang="zh-CN" altLang="en-US" dirty="0" smtClean="0">
+                <a:latin typeface="黑体" panose="02010609060101010101" pitchFamily="49" charset="-122"/>
+                <a:ea typeface="黑体" panose="02010609060101010101" pitchFamily="49" charset="-122"/>
+              </a:rPr>
+              <a:t>智能积木</a:t>
+            </a:r>
+            <a:endParaRPr lang="en-US" altLang="zh-CN" dirty="0" smtClean="0">
+              <a:latin typeface="黑体" panose="02010609060101010101" pitchFamily="49" charset="-122"/>
+              <a:ea typeface="黑体" panose="02010609060101010101" pitchFamily="49" charset="-122"/>
+            </a:endParaRPr>
+          </a:p>
+          <a:p>
+            <a:pPr marL="285750" indent="-285750">
+              <a:buFont typeface="Arial" panose="020B0604020202020204" pitchFamily="34" charset="0"/>
+              <a:buChar char="•"/>
+            </a:pPr>
+            <a:r>
+              <a:rPr lang="zh-CN" altLang="en-US" dirty="0" smtClean="0">
+                <a:latin typeface="黑体" panose="02010609060101010101" pitchFamily="49" charset="-122"/>
+                <a:ea typeface="黑体" panose="02010609060101010101" pitchFamily="49" charset="-122"/>
+              </a:rPr>
+              <a:t>语音积木</a:t>
+            </a:r>
+            <a:endParaRPr lang="en-US" altLang="zh-CN" dirty="0" smtClean="0">
+              <a:latin typeface="黑体" panose="02010609060101010101" pitchFamily="49" charset="-122"/>
+              <a:ea typeface="黑体" panose="02010609060101010101" pitchFamily="49" charset="-122"/>
+            </a:endParaRPr>
+          </a:p>
+          <a:p>
+            <a:pPr marL="285750" indent="-285750">
+              <a:buFont typeface="Arial" panose="020B0604020202020204" pitchFamily="34" charset="0"/>
+              <a:buChar char="•"/>
+            </a:pPr>
+            <a:r>
+              <a:rPr lang="zh-CN" altLang="en-US" dirty="0">
+                <a:latin typeface="黑体" panose="02010609060101010101" pitchFamily="49" charset="-122"/>
+                <a:ea typeface="黑体" panose="02010609060101010101" pitchFamily="49" charset="-122"/>
+              </a:rPr>
+              <a:t>蓝牙遥控</a:t>
+            </a:r>
+            <a:endParaRPr lang="en-US" altLang="zh-CN" dirty="0">
+              <a:latin typeface="黑体" panose="02010609060101010101" pitchFamily="49" charset="-122"/>
+              <a:ea typeface="黑体" panose="02010609060101010101" pitchFamily="49" charset="-122"/>
+            </a:endParaRPr>
+          </a:p>
+          <a:p>
+            <a:endParaRPr lang="en-US" altLang="zh-CN" dirty="0" smtClean="0">
+              <a:latin typeface="黑体" panose="02010609060101010101" pitchFamily="49" charset="-122"/>
+              <a:ea typeface="黑体" panose="02010609060101010101" pitchFamily="49" charset="-122"/>
+            </a:endParaRPr>
+          </a:p>
+        </p:txBody>
+      </p:sp>
+      <p:sp>
+        <p:nvSpPr>
+          <p:cNvPr id="23" name="文本框 22"/>
+          <p:cNvSpPr txBox="1"/>
+          <p:nvPr/>
+        </p:nvSpPr>
+        <p:spPr>
+          <a:xfrm>
+            <a:off x="7269810" y="1619958"/>
+            <a:ext cx="3474028" cy="646331"/>
+          </a:xfrm>
+          <a:prstGeom prst="rect">
+            <a:avLst/>
+          </a:prstGeom>
+          <a:noFill/>
+        </p:spPr>
+        <p:txBody>
+          <a:bodyPr wrap="none" rtlCol="0">
+            <a:spAutoFit/>
+          </a:bodyPr>
+          <a:lstStyle/>
+          <a:p>
+            <a:pPr marL="285750" indent="-285750">
+              <a:buFont typeface="Arial" panose="020B0604020202020204" pitchFamily="34" charset="0"/>
+              <a:buChar char="•"/>
+            </a:pPr>
+            <a:r>
+              <a:rPr lang="zh-CN" altLang="en-US" dirty="0" smtClean="0">
+                <a:latin typeface="黑体" panose="02010609060101010101" pitchFamily="49" charset="-122"/>
+                <a:ea typeface="黑体" panose="02010609060101010101" pitchFamily="49" charset="-122"/>
+              </a:rPr>
+              <a:t>各种场景玩法</a:t>
+            </a:r>
+            <a:endParaRPr lang="en-US" altLang="zh-CN" dirty="0" smtClean="0">
+              <a:latin typeface="黑体" panose="02010609060101010101" pitchFamily="49" charset="-122"/>
+              <a:ea typeface="黑体" panose="02010609060101010101" pitchFamily="49" charset="-122"/>
+            </a:endParaRPr>
+          </a:p>
+          <a:p>
+            <a:pPr marL="285750" indent="-285750">
+              <a:buFont typeface="Arial" panose="020B0604020202020204" pitchFamily="34" charset="0"/>
+              <a:buChar char="•"/>
+            </a:pPr>
+            <a:r>
+              <a:rPr lang="zh-CN" altLang="en-US" dirty="0" smtClean="0">
+                <a:latin typeface="黑体" panose="02010609060101010101" pitchFamily="49" charset="-122"/>
+                <a:ea typeface="黑体" panose="02010609060101010101" pitchFamily="49" charset="-122"/>
+              </a:rPr>
+              <a:t>车、动物、城市、过家家等等</a:t>
+            </a:r>
+            <a:endParaRPr lang="en-US" altLang="zh-CN" dirty="0" smtClean="0">
+              <a:latin typeface="黑体" panose="02010609060101010101" pitchFamily="49" charset="-122"/>
+              <a:ea typeface="黑体" panose="02010609060101010101" pitchFamily="49" charset="-122"/>
+            </a:endParaRPr>
+          </a:p>
+        </p:txBody>
+      </p:sp>
+      <p:sp>
+        <p:nvSpPr>
+          <p:cNvPr id="25" name="文本框 24"/>
+          <p:cNvSpPr txBox="1"/>
+          <p:nvPr/>
+        </p:nvSpPr>
+        <p:spPr>
+          <a:xfrm>
+            <a:off x="1356596" y="4465211"/>
+            <a:ext cx="1396536" cy="1200329"/>
+          </a:xfrm>
+          <a:prstGeom prst="rect">
+            <a:avLst/>
+          </a:prstGeom>
+          <a:noFill/>
+        </p:spPr>
+        <p:txBody>
+          <a:bodyPr wrap="none" rtlCol="0">
+            <a:spAutoFit/>
+          </a:bodyPr>
+          <a:lstStyle/>
+          <a:p>
+            <a:pPr marL="285750" indent="-285750">
+              <a:buFont typeface="Arial" panose="020B0604020202020204" pitchFamily="34" charset="0"/>
+              <a:buChar char="•"/>
+            </a:pPr>
+            <a:r>
+              <a:rPr lang="zh-CN" altLang="en-US" dirty="0" smtClean="0">
+                <a:latin typeface="黑体" panose="02010609060101010101" pitchFamily="49" charset="-122"/>
+                <a:ea typeface="黑体" panose="02010609060101010101" pitchFamily="49" charset="-122"/>
+              </a:rPr>
+              <a:t>编程</a:t>
+            </a:r>
+            <a:endParaRPr lang="en-US" altLang="zh-CN" dirty="0" smtClean="0">
+              <a:latin typeface="黑体" panose="02010609060101010101" pitchFamily="49" charset="-122"/>
+              <a:ea typeface="黑体" panose="02010609060101010101" pitchFamily="49" charset="-122"/>
+            </a:endParaRPr>
+          </a:p>
+          <a:p>
+            <a:pPr marL="285750" indent="-285750">
+              <a:buFont typeface="Arial" panose="020B0604020202020204" pitchFamily="34" charset="0"/>
+              <a:buChar char="•"/>
+            </a:pPr>
+            <a:r>
+              <a:rPr lang="en-US" altLang="zh-CN" dirty="0" err="1" smtClean="0">
+                <a:latin typeface="黑体" panose="02010609060101010101" pitchFamily="49" charset="-122"/>
+                <a:ea typeface="黑体" panose="02010609060101010101" pitchFamily="49" charset="-122"/>
+              </a:rPr>
+              <a:t>3D</a:t>
+            </a:r>
+            <a:r>
+              <a:rPr lang="zh-CN" altLang="en-US" dirty="0" smtClean="0">
+                <a:latin typeface="黑体" panose="02010609060101010101" pitchFamily="49" charset="-122"/>
+                <a:ea typeface="黑体" panose="02010609060101010101" pitchFamily="49" charset="-122"/>
+              </a:rPr>
+              <a:t>搭建</a:t>
+            </a:r>
+            <a:endParaRPr lang="en-US" altLang="zh-CN" dirty="0" smtClean="0">
+              <a:latin typeface="黑体" panose="02010609060101010101" pitchFamily="49" charset="-122"/>
+              <a:ea typeface="黑体" panose="02010609060101010101" pitchFamily="49" charset="-122"/>
+            </a:endParaRPr>
+          </a:p>
+          <a:p>
+            <a:pPr marL="285750" indent="-285750">
+              <a:buFont typeface="Arial" panose="020B0604020202020204" pitchFamily="34" charset="0"/>
+              <a:buChar char="•"/>
+            </a:pPr>
+            <a:r>
+              <a:rPr lang="zh-CN" altLang="en-US" dirty="0" smtClean="0">
+                <a:latin typeface="黑体" panose="02010609060101010101" pitchFamily="49" charset="-122"/>
+                <a:ea typeface="黑体" panose="02010609060101010101" pitchFamily="49" charset="-122"/>
+              </a:rPr>
+              <a:t>个性分享</a:t>
+            </a:r>
+            <a:endParaRPr lang="en-US" altLang="zh-CN" dirty="0" smtClean="0">
+              <a:latin typeface="黑体" panose="02010609060101010101" pitchFamily="49" charset="-122"/>
+              <a:ea typeface="黑体" panose="02010609060101010101" pitchFamily="49" charset="-122"/>
+            </a:endParaRPr>
+          </a:p>
+          <a:p>
+            <a:endParaRPr lang="en-US" altLang="zh-CN" dirty="0" smtClean="0">
+              <a:latin typeface="黑体" panose="02010609060101010101" pitchFamily="49" charset="-122"/>
+              <a:ea typeface="黑体" panose="02010609060101010101" pitchFamily="49" charset="-122"/>
+            </a:endParaRPr>
+          </a:p>
+        </p:txBody>
+      </p:sp>
+      <p:sp>
+        <p:nvSpPr>
+          <p:cNvPr id="22" name="矩形 21"/>
+          <p:cNvSpPr/>
+          <p:nvPr/>
+        </p:nvSpPr>
+        <p:spPr>
+          <a:xfrm>
+            <a:off x="2190549" y="726407"/>
+            <a:ext cx="4916731" cy="369332"/>
+          </a:xfrm>
+          <a:prstGeom prst="rect">
+            <a:avLst/>
+          </a:prstGeom>
+        </p:spPr>
+        <p:txBody>
+          <a:bodyPr wrap="none">
+            <a:spAutoFit/>
+          </a:bodyPr>
+          <a:lstStyle/>
+          <a:p>
+            <a:r>
+              <a:rPr lang="en-US" altLang="zh-CN" dirty="0">
+                <a:latin typeface="黑体" panose="02010609060101010101" pitchFamily="49" charset="-122"/>
+                <a:ea typeface="黑体" panose="02010609060101010101" pitchFamily="49" charset="-122"/>
+              </a:rPr>
+              <a:t>All in </a:t>
+            </a:r>
+            <a:r>
+              <a:rPr lang="zh-CN" altLang="en-US" dirty="0">
+                <a:latin typeface="黑体" panose="02010609060101010101" pitchFamily="49" charset="-122"/>
+                <a:ea typeface="黑体" panose="02010609060101010101" pitchFamily="49" charset="-122"/>
+              </a:rPr>
+              <a:t>积木，从硬件到软件，建立起生态体系</a:t>
+            </a:r>
+            <a:endParaRPr lang="en-US" altLang="zh-CN" dirty="0">
+              <a:latin typeface="黑体" panose="02010609060101010101" pitchFamily="49" charset="-122"/>
+              <a:ea typeface="黑体" panose="02010609060101010101" pitchFamily="49" charset="-122"/>
+            </a:endParaRPr>
+          </a:p>
+        </p:txBody>
+      </p:sp>
+    </p:spTree>
+    <p:extLst>
+      <p:ext uri="{BB962C8B-B14F-4D97-AF65-F5344CB8AC3E}">
+        <p14:creationId xmlns:p14="http://schemas.microsoft.com/office/powerpoint/2010/main" val="1013345884"/>
+      </p:ext>
+    </p:extLst>
+  </p:cSld>
+  <p:clrMapOvr>
+    <a:masterClrMapping/>
+  </p:clrMapOvr>
+  <p:timing>
+    <p:tnLst>
+      <p:par>
+        <p:cTn id="1" dur="indefinite" restart="never" nodeType="tmRoot"/>
+      </p:par>
+    </p:tnLst>
+  </p:timing>
+</p:sld>
+</file>
+
+<file path=ppt/slides/slide4.xml><?xml version="1.0" encoding="utf-8"?>
+<p:sld xmlns:a="http://schemas.openxmlformats.org/drawingml/2006/main" xmlns:r="http://schemas.openxmlformats.org/officeDocument/2006/relationships" xmlns:p="http://schemas.openxmlformats.org/presentationml/2006/main">
+  <p:cSld>
+    <p:spTree>
+      <p:nvGrpSpPr>
+        <p:cNvPr id="1" name=""/>
+        <p:cNvGrpSpPr/>
+        <p:nvPr/>
+      </p:nvGrpSpPr>
+      <p:grpSpPr>
+        <a:xfrm>
+          <a:off x="0" y="0"/>
+          <a:ext cx="0" cy="0"/>
+          <a:chOff x="0" y="0"/>
+          <a:chExt cx="0" cy="0"/>
+        </a:xfrm>
+      </p:grpSpPr>
       <p:sp>
         <p:nvSpPr>
           <p:cNvPr id="10" name="文本框 9"/>
@@ -3390,7 +5937,7 @@
         </p:nvSpPr>
         <p:spPr>
           <a:xfrm>
-            <a:off x="472184" y="1806971"/>
+            <a:off x="128153" y="1434032"/>
             <a:ext cx="4628190" cy="646331"/>
           </a:xfrm>
           <a:prstGeom prst="rect">
@@ -3444,14 +5991,7 @@
                 <a:latin typeface="黑体" panose="02010609060101010101" pitchFamily="49" charset="-122"/>
                 <a:ea typeface="黑体" panose="02010609060101010101" pitchFamily="49" charset="-122"/>
               </a:rPr>
-              <a:t>在玩的同时能够给孩子带来更多</a:t>
-            </a:r>
-            <a:r>
-              <a:rPr lang="zh-CN" altLang="en-US" dirty="0" smtClean="0">
-                <a:latin typeface="黑体" panose="02010609060101010101" pitchFamily="49" charset="-122"/>
-                <a:ea typeface="黑体" panose="02010609060101010101" pitchFamily="49" charset="-122"/>
-              </a:rPr>
-              <a:t>的乐趣。</a:t>
+              <a:t>在玩的同时能够给孩子带来更多的乐趣。</a:t>
             </a:r>
             <a:endParaRPr lang="zh-CN" altLang="en-US" dirty="0">
               <a:latin typeface="黑体" panose="02010609060101010101" pitchFamily="49" charset="-122"/>
@@ -3861,7 +6401,7 @@
 </p:sld>
 </file>
 
-<file path=ppt/slides/slide2.xml><?xml version="1.0" encoding="utf-8"?>
+<file path=ppt/slides/slide5.xml><?xml version="1.0" encoding="utf-8"?>
 <p:sld xmlns:a="http://schemas.openxmlformats.org/drawingml/2006/main" xmlns:r="http://schemas.openxmlformats.org/officeDocument/2006/relationships" xmlns:p="http://schemas.openxmlformats.org/presentationml/2006/main">
   <p:cSld>
     <p:spTree>
@@ -4123,10 +6663,6 @@
                 </a:rPr>
                 <a:t>娱乐</a:t>
               </a:r>
-              <a:endParaRPr lang="zh-CN" altLang="en-US" dirty="0">
-                <a:latin typeface="黑体" panose="02010609060101010101" pitchFamily="49" charset="-122"/>
-                <a:ea typeface="黑体" panose="02010609060101010101" pitchFamily="49" charset="-122"/>
-              </a:endParaRPr>
             </a:p>
           </p:txBody>
         </p:sp>
@@ -4179,14 +6715,7 @@
                 <a:latin typeface="黑体" panose="02010609060101010101" pitchFamily="49" charset="-122"/>
                 <a:ea typeface="黑体" panose="02010609060101010101" pitchFamily="49" charset="-122"/>
               </a:rPr>
-              <a:t>因为是儿童使用所以账号不会很复杂（第三方登录</a:t>
-            </a:r>
-            <a:r>
-              <a:rPr lang="zh-CN" altLang="en-US" dirty="0" smtClean="0">
-                <a:latin typeface="黑体" panose="02010609060101010101" pitchFamily="49" charset="-122"/>
-                <a:ea typeface="黑体" panose="02010609060101010101" pitchFamily="49" charset="-122"/>
-              </a:rPr>
-              <a:t>）</a:t>
+              <a:t>因为是儿童使用所以账号不会很复杂（第三方登录）</a:t>
             </a:r>
             <a:endParaRPr lang="en-US" altLang="zh-CN" dirty="0" smtClean="0">
               <a:latin typeface="黑体" panose="02010609060101010101" pitchFamily="49" charset="-122"/>
@@ -4215,7 +6744,7 @@
 </p:sld>
 </file>
 
-<file path=ppt/slides/slide3.xml><?xml version="1.0" encoding="utf-8"?>
+<file path=ppt/slides/slide6.xml><?xml version="1.0" encoding="utf-8"?>
 <p:sld xmlns:a="http://schemas.openxmlformats.org/drawingml/2006/main" xmlns:r="http://schemas.openxmlformats.org/officeDocument/2006/relationships" xmlns:p="http://schemas.openxmlformats.org/presentationml/2006/main">
   <p:cSld>
     <p:spTree>
@@ -4638,7 +7167,7 @@
 </p:sld>
 </file>
 
-<file path=ppt/slides/slide4.xml><?xml version="1.0" encoding="utf-8"?>
+<file path=ppt/slides/slide7.xml><?xml version="1.0" encoding="utf-8"?>
 <p:sld xmlns:a="http://schemas.openxmlformats.org/drawingml/2006/main" xmlns:r="http://schemas.openxmlformats.org/officeDocument/2006/relationships" xmlns:p="http://schemas.openxmlformats.org/presentationml/2006/main">
   <p:cSld>
     <p:spTree>
@@ -4655,16 +7184,167 @@
           <a:chExt cx="0" cy="0"/>
         </a:xfrm>
       </p:grpSpPr>
+      <p:sp>
+        <p:nvSpPr>
+          <p:cNvPr id="12" name="文本框 11"/>
+          <p:cNvSpPr txBox="1"/>
+          <p:nvPr/>
+        </p:nvSpPr>
+        <p:spPr>
+          <a:xfrm>
+            <a:off x="774777" y="323808"/>
+            <a:ext cx="3262432" cy="830997"/>
+          </a:xfrm>
+          <a:prstGeom prst="rect">
+            <a:avLst/>
+          </a:prstGeom>
+          <a:noFill/>
+        </p:spPr>
+        <p:txBody>
+          <a:bodyPr wrap="none" rtlCol="0">
+            <a:spAutoFit/>
+          </a:bodyPr>
+          <a:lstStyle/>
+          <a:p>
+            <a:r>
+              <a:rPr lang="zh-CN" altLang="en-US" sz="4800" dirty="0" smtClean="0">
+                <a:latin typeface="黑体" panose="02010609060101010101" pitchFamily="49" charset="-122"/>
+                <a:ea typeface="黑体" panose="02010609060101010101" pitchFamily="49" charset="-122"/>
+              </a:rPr>
+              <a:t>游戏性玩法</a:t>
+            </a:r>
+            <a:endParaRPr lang="zh-CN" altLang="en-US" sz="4800" dirty="0">
+              <a:latin typeface="黑体" panose="02010609060101010101" pitchFamily="49" charset="-122"/>
+              <a:ea typeface="黑体" panose="02010609060101010101" pitchFamily="49" charset="-122"/>
+            </a:endParaRPr>
+          </a:p>
+        </p:txBody>
+      </p:sp>
+      <p:sp>
+        <p:nvSpPr>
+          <p:cNvPr id="24" name="文本框 23"/>
+          <p:cNvSpPr txBox="1"/>
+          <p:nvPr/>
+        </p:nvSpPr>
+        <p:spPr>
+          <a:xfrm>
+            <a:off x="780404" y="1435292"/>
+            <a:ext cx="5205271" cy="369332"/>
+          </a:xfrm>
+          <a:prstGeom prst="rect">
+            <a:avLst/>
+          </a:prstGeom>
+          <a:noFill/>
+        </p:spPr>
+        <p:txBody>
+          <a:bodyPr wrap="none" rtlCol="0">
+            <a:spAutoFit/>
+          </a:bodyPr>
+          <a:lstStyle/>
+          <a:p>
+            <a:pPr marL="285750" indent="-285750">
+              <a:buFont typeface="Arial" panose="020B0604020202020204" pitchFamily="34" charset="0"/>
+              <a:buChar char="•"/>
+            </a:pPr>
+            <a:r>
+              <a:rPr lang="zh-CN" altLang="en-US" dirty="0" smtClean="0">
+                <a:latin typeface="黑体" panose="02010609060101010101" pitchFamily="49" charset="-122"/>
+                <a:ea typeface="黑体" panose="02010609060101010101" pitchFamily="49" charset="-122"/>
+              </a:rPr>
+              <a:t>通过增加积木</a:t>
+            </a:r>
+            <a:r>
+              <a:rPr lang="en-US" altLang="zh-CN" dirty="0" smtClean="0">
+                <a:latin typeface="黑体" panose="02010609060101010101" pitchFamily="49" charset="-122"/>
+                <a:ea typeface="黑体" panose="02010609060101010101" pitchFamily="49" charset="-122"/>
+              </a:rPr>
+              <a:t>APP</a:t>
+            </a:r>
+            <a:r>
+              <a:rPr lang="zh-CN" altLang="en-US" dirty="0" smtClean="0">
+                <a:latin typeface="黑体" panose="02010609060101010101" pitchFamily="49" charset="-122"/>
+                <a:ea typeface="黑体" panose="02010609060101010101" pitchFamily="49" charset="-122"/>
+              </a:rPr>
+              <a:t>的娱乐性，让孩子更喜欢产品</a:t>
+            </a:r>
+            <a:endParaRPr lang="en-US" altLang="zh-CN" dirty="0" smtClean="0">
+              <a:latin typeface="黑体" panose="02010609060101010101" pitchFamily="49" charset="-122"/>
+              <a:ea typeface="黑体" panose="02010609060101010101" pitchFamily="49" charset="-122"/>
+            </a:endParaRPr>
+          </a:p>
+        </p:txBody>
+      </p:sp>
+      <p:pic>
+        <p:nvPicPr>
+          <p:cNvPr id="2" name="图片 1"/>
+          <p:cNvPicPr>
+            <a:picLocks noChangeAspect="1"/>
+          </p:cNvPicPr>
+          <p:nvPr/>
+        </p:nvPicPr>
+        <p:blipFill>
+          <a:blip r:embed="rId2"/>
+          <a:stretch>
+            <a:fillRect/>
+          </a:stretch>
+        </p:blipFill>
+        <p:spPr>
+          <a:xfrm>
+            <a:off x="1918486" y="2441417"/>
+            <a:ext cx="2630719" cy="1976673"/>
+          </a:xfrm>
+          <a:prstGeom prst="rect">
+            <a:avLst/>
+          </a:prstGeom>
+        </p:spPr>
+      </p:pic>
+      <p:sp>
+        <p:nvSpPr>
+          <p:cNvPr id="3" name="文本框 2"/>
+          <p:cNvSpPr txBox="1"/>
+          <p:nvPr/>
+        </p:nvSpPr>
+        <p:spPr>
+          <a:xfrm>
+            <a:off x="1807813" y="4915485"/>
+            <a:ext cx="2852063" cy="338554"/>
+          </a:xfrm>
+          <a:prstGeom prst="rect">
+            <a:avLst/>
+          </a:prstGeom>
+          <a:noFill/>
+        </p:spPr>
+        <p:txBody>
+          <a:bodyPr wrap="none" rtlCol="0">
+            <a:spAutoFit/>
+          </a:bodyPr>
+          <a:lstStyle/>
+          <a:p>
+            <a:r>
+              <a:rPr lang="zh-CN" altLang="en-US" sz="1600" dirty="0" smtClean="0"/>
+              <a:t>将搭建完成的内容与游戏结合</a:t>
+            </a:r>
+            <a:endParaRPr lang="zh-CN" altLang="en-US" sz="1600" dirty="0"/>
+          </a:p>
+        </p:txBody>
+      </p:sp>
     </p:spTree>
     <p:extLst>
       <p:ext uri="{BB962C8B-B14F-4D97-AF65-F5344CB8AC3E}">
-        <p14:creationId xmlns:p14="http://schemas.microsoft.com/office/powerpoint/2010/main" val="3313028245"/>
+        <p14:creationId xmlns:p14="http://schemas.microsoft.com/office/powerpoint/2010/main" val="3851392242"/>
       </p:ext>
     </p:extLst>
   </p:cSld>
   <p:clrMapOvr>
     <a:masterClrMapping/>
   </p:clrMapOvr>
+  <p:timing>
+    <p:tnLst>
+      <p:par>
+        <p:cTn id="1" dur="indefinite" restart="never" nodeType="tmRoot"/>
+      </p:par>
+    </p:tnLst>
+  </p:timing>
 </p:sld>
 </file>
 

--- a/需求/积木APP思路.pptx
+++ b/需求/积木APP思路.pptx
@@ -214,7 +214,7 @@
           <a:p>
             <a:fld id="{C578747C-4DBD-450A-917F-BB233EEE6D41}" type="datetimeFigureOut">
               <a:rPr lang="zh-CN" altLang="en-US" smtClean="0"/>
-              <a:t>2017/8/18</a:t>
+              <a:t>2017/8/23</a:t>
             </a:fld>
             <a:endParaRPr lang="zh-CN" altLang="en-US"/>
           </a:p>
@@ -697,7 +697,7 @@
           <a:p>
             <a:fld id="{77DAA336-17CA-4F76-B4BD-53965DDDFE6B}" type="datetimeFigureOut">
               <a:rPr lang="zh-CN" altLang="en-US" smtClean="0"/>
-              <a:t>2017/8/18</a:t>
+              <a:t>2017/8/23</a:t>
             </a:fld>
             <a:endParaRPr lang="zh-CN" altLang="en-US"/>
           </a:p>
@@ -867,7 +867,7 @@
           <a:p>
             <a:fld id="{77DAA336-17CA-4F76-B4BD-53965DDDFE6B}" type="datetimeFigureOut">
               <a:rPr lang="zh-CN" altLang="en-US" smtClean="0"/>
-              <a:t>2017/8/18</a:t>
+              <a:t>2017/8/23</a:t>
             </a:fld>
             <a:endParaRPr lang="zh-CN" altLang="en-US"/>
           </a:p>
@@ -1047,7 +1047,7 @@
           <a:p>
             <a:fld id="{77DAA336-17CA-4F76-B4BD-53965DDDFE6B}" type="datetimeFigureOut">
               <a:rPr lang="zh-CN" altLang="en-US" smtClean="0"/>
-              <a:t>2017/8/18</a:t>
+              <a:t>2017/8/23</a:t>
             </a:fld>
             <a:endParaRPr lang="zh-CN" altLang="en-US"/>
           </a:p>
@@ -1217,7 +1217,7 @@
           <a:p>
             <a:fld id="{77DAA336-17CA-4F76-B4BD-53965DDDFE6B}" type="datetimeFigureOut">
               <a:rPr lang="zh-CN" altLang="en-US" smtClean="0"/>
-              <a:t>2017/8/18</a:t>
+              <a:t>2017/8/23</a:t>
             </a:fld>
             <a:endParaRPr lang="zh-CN" altLang="en-US"/>
           </a:p>
@@ -1463,7 +1463,7 @@
           <a:p>
             <a:fld id="{77DAA336-17CA-4F76-B4BD-53965DDDFE6B}" type="datetimeFigureOut">
               <a:rPr lang="zh-CN" altLang="en-US" smtClean="0"/>
-              <a:t>2017/8/18</a:t>
+              <a:t>2017/8/23</a:t>
             </a:fld>
             <a:endParaRPr lang="zh-CN" altLang="en-US"/>
           </a:p>
@@ -1695,7 +1695,7 @@
           <a:p>
             <a:fld id="{77DAA336-17CA-4F76-B4BD-53965DDDFE6B}" type="datetimeFigureOut">
               <a:rPr lang="zh-CN" altLang="en-US" smtClean="0"/>
-              <a:t>2017/8/18</a:t>
+              <a:t>2017/8/23</a:t>
             </a:fld>
             <a:endParaRPr lang="zh-CN" altLang="en-US"/>
           </a:p>
@@ -2062,7 +2062,7 @@
           <a:p>
             <a:fld id="{77DAA336-17CA-4F76-B4BD-53965DDDFE6B}" type="datetimeFigureOut">
               <a:rPr lang="zh-CN" altLang="en-US" smtClean="0"/>
-              <a:t>2017/8/18</a:t>
+              <a:t>2017/8/23</a:t>
             </a:fld>
             <a:endParaRPr lang="zh-CN" altLang="en-US"/>
           </a:p>
@@ -2180,7 +2180,7 @@
           <a:p>
             <a:fld id="{77DAA336-17CA-4F76-B4BD-53965DDDFE6B}" type="datetimeFigureOut">
               <a:rPr lang="zh-CN" altLang="en-US" smtClean="0"/>
-              <a:t>2017/8/18</a:t>
+              <a:t>2017/8/23</a:t>
             </a:fld>
             <a:endParaRPr lang="zh-CN" altLang="en-US"/>
           </a:p>
@@ -2275,7 +2275,7 @@
           <a:p>
             <a:fld id="{77DAA336-17CA-4F76-B4BD-53965DDDFE6B}" type="datetimeFigureOut">
               <a:rPr lang="zh-CN" altLang="en-US" smtClean="0"/>
-              <a:t>2017/8/18</a:t>
+              <a:t>2017/8/23</a:t>
             </a:fld>
             <a:endParaRPr lang="zh-CN" altLang="en-US"/>
           </a:p>
@@ -2552,7 +2552,7 @@
           <a:p>
             <a:fld id="{77DAA336-17CA-4F76-B4BD-53965DDDFE6B}" type="datetimeFigureOut">
               <a:rPr lang="zh-CN" altLang="en-US" smtClean="0"/>
-              <a:t>2017/8/18</a:t>
+              <a:t>2017/8/23</a:t>
             </a:fld>
             <a:endParaRPr lang="zh-CN" altLang="en-US"/>
           </a:p>
@@ -2805,7 +2805,7 @@
           <a:p>
             <a:fld id="{77DAA336-17CA-4F76-B4BD-53965DDDFE6B}" type="datetimeFigureOut">
               <a:rPr lang="zh-CN" altLang="en-US" smtClean="0"/>
-              <a:t>2017/8/18</a:t>
+              <a:t>2017/8/23</a:t>
             </a:fld>
             <a:endParaRPr lang="zh-CN" altLang="en-US"/>
           </a:p>
@@ -3021,7 +3021,7 @@
           <a:p>
             <a:fld id="{77DAA336-17CA-4F76-B4BD-53965DDDFE6B}" type="datetimeFigureOut">
               <a:rPr lang="zh-CN" altLang="en-US" smtClean="0"/>
-              <a:t>2017/8/18</a:t>
+              <a:t>2017/8/23</a:t>
             </a:fld>
             <a:endParaRPr lang="zh-CN" altLang="en-US"/>
           </a:p>
@@ -3628,11 +3628,7 @@
           <a:p>
             <a:r>
               <a:rPr lang="zh-CN" altLang="en-US" sz="1200" b="1" dirty="0" smtClean="0"/>
-              <a:t>数字</a:t>
-            </a:r>
-            <a:r>
-              <a:rPr lang="zh-CN" altLang="en-US" sz="1200" b="1" dirty="0" smtClean="0"/>
-              <a:t>游戏</a:t>
+              <a:t>数字游戏</a:t>
             </a:r>
             <a:endParaRPr lang="zh-CN" altLang="en-US" sz="1200" b="1" dirty="0"/>
           </a:p>
@@ -3662,11 +3658,7 @@
           <a:p>
             <a:r>
               <a:rPr lang="zh-CN" altLang="en-US" sz="1200" b="1" dirty="0" smtClean="0"/>
-              <a:t>场景</a:t>
-            </a:r>
-            <a:r>
-              <a:rPr lang="zh-CN" altLang="en-US" sz="1200" b="1" dirty="0" smtClean="0"/>
-              <a:t>过家家</a:t>
+              <a:t>场景过家家</a:t>
             </a:r>
             <a:endParaRPr lang="zh-CN" altLang="en-US" sz="1200" b="1" dirty="0"/>
           </a:p>
@@ -3696,11 +3688,7 @@
           <a:p>
             <a:r>
               <a:rPr lang="zh-CN" altLang="en-US" sz="1200" b="1" dirty="0" smtClean="0"/>
-              <a:t>场景</a:t>
-            </a:r>
-            <a:r>
-              <a:rPr lang="zh-CN" altLang="en-US" sz="1200" b="1" dirty="0" smtClean="0"/>
-              <a:t>过家家</a:t>
+              <a:t>场景过家家</a:t>
             </a:r>
             <a:endParaRPr lang="zh-CN" altLang="en-US" sz="1200" b="1" dirty="0"/>
           </a:p>
@@ -3794,11 +3782,7 @@
           <a:p>
             <a:r>
               <a:rPr lang="zh-CN" altLang="en-US" sz="1200" b="1" dirty="0" smtClean="0"/>
-              <a:t>场景</a:t>
-            </a:r>
-            <a:r>
-              <a:rPr lang="zh-CN" altLang="en-US" sz="1200" b="1" dirty="0" smtClean="0"/>
-              <a:t>百科</a:t>
+              <a:t>场景百科</a:t>
             </a:r>
             <a:endParaRPr lang="zh-CN" altLang="en-US" sz="1200" b="1" dirty="0"/>
           </a:p>
@@ -3828,11 +3812,7 @@
           <a:p>
             <a:r>
               <a:rPr lang="zh-CN" altLang="en-US" sz="1200" b="1" dirty="0" smtClean="0"/>
-              <a:t>场景</a:t>
-            </a:r>
-            <a:r>
-              <a:rPr lang="zh-CN" altLang="en-US" sz="1200" b="1" dirty="0" smtClean="0"/>
-              <a:t>过家家</a:t>
+              <a:t>场景过家家</a:t>
             </a:r>
             <a:endParaRPr lang="zh-CN" altLang="en-US" sz="1200" b="1" dirty="0"/>
           </a:p>
@@ -3922,11 +3902,7 @@
           <a:p>
             <a:r>
               <a:rPr lang="zh-CN" altLang="en-US" sz="1200" b="1" dirty="0" smtClean="0"/>
-              <a:t>场景</a:t>
-            </a:r>
-            <a:r>
-              <a:rPr lang="zh-CN" altLang="en-US" sz="1200" b="1" dirty="0" smtClean="0"/>
-              <a:t>游戏</a:t>
+              <a:t>场景游戏</a:t>
             </a:r>
             <a:endParaRPr lang="zh-CN" altLang="en-US" sz="1200" b="1" dirty="0"/>
           </a:p>
@@ -3956,11 +3932,7 @@
           <a:p>
             <a:r>
               <a:rPr lang="zh-CN" altLang="en-US" sz="1200" b="1" dirty="0" smtClean="0"/>
-              <a:t>数字</a:t>
-            </a:r>
-            <a:r>
-              <a:rPr lang="zh-CN" altLang="en-US" sz="1200" b="1" dirty="0" smtClean="0"/>
-              <a:t>游戏</a:t>
+              <a:t>数字游戏</a:t>
             </a:r>
             <a:endParaRPr lang="zh-CN" altLang="en-US" sz="1200" b="1" dirty="0"/>
           </a:p>
@@ -3990,11 +3962,7 @@
           <a:p>
             <a:r>
               <a:rPr lang="zh-CN" altLang="en-US" sz="1200" b="1" dirty="0" smtClean="0"/>
-              <a:t>数字</a:t>
-            </a:r>
-            <a:r>
-              <a:rPr lang="zh-CN" altLang="en-US" sz="1200" b="1" dirty="0" smtClean="0"/>
-              <a:t>游戏</a:t>
+              <a:t>数字游戏</a:t>
             </a:r>
             <a:endParaRPr lang="zh-CN" altLang="en-US" sz="1200" b="1" dirty="0"/>
           </a:p>
@@ -4088,11 +4056,7 @@
           <a:p>
             <a:r>
               <a:rPr lang="zh-CN" altLang="en-US" sz="1200" b="1" dirty="0" smtClean="0"/>
-              <a:t>场景</a:t>
-            </a:r>
-            <a:r>
-              <a:rPr lang="zh-CN" altLang="en-US" sz="1200" b="1" dirty="0" smtClean="0"/>
-              <a:t>游戏</a:t>
+              <a:t>场景游戏</a:t>
             </a:r>
             <a:endParaRPr lang="zh-CN" altLang="en-US" sz="1200" b="1" dirty="0"/>
           </a:p>
@@ -4122,11 +4086,7 @@
           <a:p>
             <a:r>
               <a:rPr lang="zh-CN" altLang="en-US" sz="1200" b="1" dirty="0" smtClean="0"/>
-              <a:t>场景</a:t>
-            </a:r>
-            <a:r>
-              <a:rPr lang="zh-CN" altLang="en-US" sz="1200" b="1" dirty="0" smtClean="0"/>
-              <a:t>游戏</a:t>
+              <a:t>场景游戏</a:t>
             </a:r>
             <a:endParaRPr lang="zh-CN" altLang="en-US" sz="1200" b="1" dirty="0"/>
           </a:p>
@@ -4186,11 +4146,7 @@
           <a:p>
             <a:r>
               <a:rPr lang="zh-CN" altLang="en-US" sz="1200" b="1" dirty="0" smtClean="0"/>
-              <a:t>场景</a:t>
-            </a:r>
-            <a:r>
-              <a:rPr lang="zh-CN" altLang="en-US" sz="1200" b="1" dirty="0" smtClean="0"/>
-              <a:t>游戏</a:t>
+              <a:t>场景游戏</a:t>
             </a:r>
             <a:endParaRPr lang="zh-CN" altLang="en-US" sz="1200" b="1" dirty="0"/>
           </a:p>
@@ -4400,11 +4356,7 @@
           <a:p>
             <a:r>
               <a:rPr lang="zh-CN" altLang="en-US" sz="1200" b="1" dirty="0" smtClean="0"/>
-              <a:t>教育</a:t>
-            </a:r>
-            <a:r>
-              <a:rPr lang="zh-CN" altLang="en-US" sz="1200" b="1" dirty="0" smtClean="0"/>
-              <a:t>游戏</a:t>
+              <a:t>教育游戏</a:t>
             </a:r>
             <a:endParaRPr lang="zh-CN" altLang="en-US" sz="1200" b="1" dirty="0"/>
           </a:p>
@@ -4434,11 +4386,7 @@
           <a:p>
             <a:r>
               <a:rPr lang="zh-CN" altLang="en-US" sz="1200" b="1" dirty="0" smtClean="0"/>
-              <a:t>场景</a:t>
-            </a:r>
-            <a:r>
-              <a:rPr lang="zh-CN" altLang="en-US" sz="1200" b="1" dirty="0" smtClean="0"/>
-              <a:t>游戏</a:t>
+              <a:t>场景游戏</a:t>
             </a:r>
             <a:endParaRPr lang="zh-CN" altLang="en-US" sz="1200" b="1" dirty="0"/>
           </a:p>
@@ -4782,16 +4730,6 @@
               </a:rPr>
               <a:t>过家家</a:t>
             </a:r>
-            <a:endParaRPr lang="zh-CN" altLang="en-US" sz="2000" dirty="0">
-              <a:solidFill>
-                <a:schemeClr val="tx1">
-                  <a:lumMod val="85000"/>
-                  <a:lumOff val="15000"/>
-                </a:schemeClr>
-              </a:solidFill>
-              <a:latin typeface="黑体" panose="02010609060101010101" pitchFamily="49" charset="-122"/>
-              <a:ea typeface="黑体" panose="02010609060101010101" pitchFamily="49" charset="-122"/>
-            </a:endParaRPr>
           </a:p>
         </p:txBody>
       </p:sp>
@@ -4965,10 +4903,6 @@
               </a:rPr>
               <a:t>现状</a:t>
             </a:r>
-            <a:endParaRPr lang="zh-CN" altLang="en-US" sz="4800" dirty="0">
-              <a:latin typeface="黑体" panose="02010609060101010101" pitchFamily="49" charset="-122"/>
-              <a:ea typeface="黑体" panose="02010609060101010101" pitchFamily="49" charset="-122"/>
-            </a:endParaRPr>
           </a:p>
         </p:txBody>
       </p:sp>
@@ -5729,7 +5663,7 @@
         <p:spPr>
           <a:xfrm>
             <a:off x="1356596" y="4465211"/>
-            <a:ext cx="1396536" cy="1200329"/>
+            <a:ext cx="1396536" cy="923330"/>
           </a:xfrm>
           <a:prstGeom prst="rect">
             <a:avLst/>
@@ -5792,14 +5726,8 @@
                 <a:latin typeface="黑体" panose="02010609060101010101" pitchFamily="49" charset="-122"/>
                 <a:ea typeface="黑体" panose="02010609060101010101" pitchFamily="49" charset="-122"/>
               </a:rPr>
-              <a:t>个性分享</a:t>
-            </a:r>
-            <a:endParaRPr lang="en-US" altLang="zh-CN" dirty="0" smtClean="0">
-              <a:latin typeface="黑体" panose="02010609060101010101" pitchFamily="49" charset="-122"/>
-              <a:ea typeface="黑体" panose="02010609060101010101" pitchFamily="49" charset="-122"/>
-            </a:endParaRPr>
-          </a:p>
-          <a:p>
+              <a:t>游戏关卡</a:t>
+            </a:r>
             <a:endParaRPr lang="en-US" altLang="zh-CN" dirty="0" smtClean="0">
               <a:latin typeface="黑体" panose="02010609060101010101" pitchFamily="49" charset="-122"/>
               <a:ea typeface="黑体" panose="02010609060101010101" pitchFamily="49" charset="-122"/>
